--- a/database/MySQL/DTCC2019/DTCC2019_V0.14.pptx
+++ b/database/MySQL/DTCC2019/DTCC2019_V0.14.pptx
@@ -5,7 +5,7 @@
     <p:sldMasterId id="2147483648" r:id="rId1"/>
   </p:sldMasterIdLst>
   <p:notesMasterIdLst>
-    <p:notesMasterId r:id="rId28"/>
+    <p:notesMasterId r:id="rId29"/>
   </p:notesMasterIdLst>
   <p:sldIdLst>
     <p:sldId id="263" r:id="rId2"/>
@@ -17,23 +17,24 @@
     <p:sldId id="268" r:id="rId8"/>
     <p:sldId id="288" r:id="rId9"/>
     <p:sldId id="300" r:id="rId10"/>
-    <p:sldId id="290" r:id="rId11"/>
-    <p:sldId id="291" r:id="rId12"/>
-    <p:sldId id="292" r:id="rId13"/>
-    <p:sldId id="275" r:id="rId14"/>
-    <p:sldId id="302" r:id="rId15"/>
-    <p:sldId id="301" r:id="rId16"/>
-    <p:sldId id="294" r:id="rId17"/>
-    <p:sldId id="295" r:id="rId18"/>
-    <p:sldId id="308" r:id="rId19"/>
-    <p:sldId id="309" r:id="rId20"/>
-    <p:sldId id="280" r:id="rId21"/>
-    <p:sldId id="303" r:id="rId22"/>
-    <p:sldId id="296" r:id="rId23"/>
-    <p:sldId id="297" r:id="rId24"/>
-    <p:sldId id="283" r:id="rId25"/>
-    <p:sldId id="310" r:id="rId26"/>
-    <p:sldId id="260" r:id="rId27"/>
+    <p:sldId id="311" r:id="rId11"/>
+    <p:sldId id="290" r:id="rId12"/>
+    <p:sldId id="291" r:id="rId13"/>
+    <p:sldId id="292" r:id="rId14"/>
+    <p:sldId id="275" r:id="rId15"/>
+    <p:sldId id="302" r:id="rId16"/>
+    <p:sldId id="301" r:id="rId17"/>
+    <p:sldId id="294" r:id="rId18"/>
+    <p:sldId id="295" r:id="rId19"/>
+    <p:sldId id="308" r:id="rId20"/>
+    <p:sldId id="309" r:id="rId21"/>
+    <p:sldId id="280" r:id="rId22"/>
+    <p:sldId id="303" r:id="rId23"/>
+    <p:sldId id="296" r:id="rId24"/>
+    <p:sldId id="297" r:id="rId25"/>
+    <p:sldId id="283" r:id="rId26"/>
+    <p:sldId id="310" r:id="rId27"/>
+    <p:sldId id="260" r:id="rId28"/>
   </p:sldIdLst>
   <p:sldSz cx="9144000" cy="5143500" type="screen16x9"/>
   <p:notesSz cx="6858000" cy="9144000"/>
@@ -5183,212 +5184,7 @@
           <a:bodyPr/>
           <a:lstStyle/>
           <a:p>
-            <a:r>
-              <a:rPr kumimoji="1" lang="en-US" altLang="zh-TW" dirty="0" smtClean="0">
-                <a:latin typeface="黑体"/>
-                <a:ea typeface="黑体"/>
-                <a:cs typeface="黑体"/>
-              </a:rPr>
-              <a:t>1.tokudb</a:t>
-            </a:r>
-            <a:r>
-              <a:rPr kumimoji="1" lang="zh-TW" altLang="en-US" dirty="0" smtClean="0">
-                <a:latin typeface="黑体"/>
-                <a:ea typeface="黑体"/>
-                <a:cs typeface="黑体"/>
-              </a:rPr>
-              <a:t>引擎统计信息失效</a:t>
-            </a:r>
-            <a:endParaRPr kumimoji="1" lang="en-US" altLang="zh-TW" dirty="0" smtClean="0">
-              <a:latin typeface="黑体"/>
-              <a:ea typeface="黑体"/>
-              <a:cs typeface="黑体"/>
-            </a:endParaRPr>
-          </a:p>
-          <a:p>
-            <a:r>
-              <a:rPr kumimoji="1" lang="en-US" altLang="zh-TW" dirty="0" smtClean="0">
-                <a:latin typeface="黑体"/>
-                <a:ea typeface="黑体"/>
-                <a:cs typeface="黑体"/>
-              </a:rPr>
-              <a:t>2.</a:t>
-            </a:r>
-            <a:r>
-              <a:rPr kumimoji="1" lang="zh-TW" altLang="en-US" dirty="0" smtClean="0">
-                <a:latin typeface="黑体"/>
-                <a:ea typeface="黑体"/>
-                <a:cs typeface="黑体"/>
-              </a:rPr>
-              <a:t>关闭</a:t>
-            </a:r>
-            <a:r>
-              <a:rPr kumimoji="1" lang="en-US" altLang="zh-TW" dirty="0" err="1" smtClean="0">
-                <a:latin typeface="黑体"/>
-                <a:ea typeface="黑体"/>
-                <a:cs typeface="黑体"/>
-              </a:rPr>
-              <a:t>binlog</a:t>
-            </a:r>
-            <a:r>
-              <a:rPr kumimoji="1" lang="zh-TW" altLang="en-US" dirty="0" smtClean="0">
-                <a:latin typeface="黑体"/>
-                <a:ea typeface="黑体"/>
-                <a:cs typeface="黑体"/>
-              </a:rPr>
-              <a:t>导致</a:t>
-            </a:r>
-            <a:r>
-              <a:rPr kumimoji="1" lang="en-US" altLang="zh-TW" dirty="0" smtClean="0">
-                <a:latin typeface="黑体"/>
-                <a:ea typeface="黑体"/>
-                <a:cs typeface="黑体"/>
-              </a:rPr>
-              <a:t>MySQL</a:t>
-            </a:r>
-            <a:r>
-              <a:rPr kumimoji="1" lang="zh-TW" altLang="en-US" dirty="0" smtClean="0">
-                <a:latin typeface="黑体"/>
-                <a:ea typeface="黑体"/>
-                <a:cs typeface="黑体"/>
-              </a:rPr>
-              <a:t>实例</a:t>
-            </a:r>
-            <a:r>
-              <a:rPr kumimoji="1" lang="en-US" altLang="zh-TW" dirty="0" smtClean="0">
-                <a:latin typeface="黑体"/>
-                <a:ea typeface="黑体"/>
-                <a:cs typeface="黑体"/>
-              </a:rPr>
-              <a:t>crash</a:t>
-            </a:r>
-          </a:p>
-          <a:p>
-            <a:r>
-              <a:rPr kumimoji="1" lang="en-US" altLang="zh-TW" dirty="0" smtClean="0">
-                <a:latin typeface="黑体"/>
-                <a:ea typeface="黑体"/>
-                <a:cs typeface="黑体"/>
-              </a:rPr>
-              <a:t>3.</a:t>
-            </a:r>
-            <a:r>
-              <a:rPr kumimoji="1" lang="zh-TW" altLang="en-US" dirty="0" smtClean="0">
-                <a:latin typeface="黑体"/>
-                <a:ea typeface="黑体"/>
-                <a:cs typeface="黑体"/>
-              </a:rPr>
-              <a:t>执行</a:t>
-            </a:r>
-            <a:r>
-              <a:rPr kumimoji="1" lang="en-US" altLang="zh-TW" dirty="0" smtClean="0">
-                <a:latin typeface="黑体"/>
-                <a:ea typeface="黑体"/>
-                <a:cs typeface="黑体"/>
-              </a:rPr>
-              <a:t>MySQL</a:t>
-            </a:r>
-            <a:r>
-              <a:rPr kumimoji="1" lang="zh-TW" altLang="en-US" dirty="0" smtClean="0">
-                <a:latin typeface="黑体"/>
-                <a:ea typeface="黑体"/>
-                <a:cs typeface="黑体"/>
-              </a:rPr>
-              <a:t>部分操作慢</a:t>
-            </a:r>
-            <a:endParaRPr kumimoji="1" lang="en-US" altLang="zh-TW" dirty="0" smtClean="0">
-              <a:latin typeface="黑体"/>
-              <a:ea typeface="黑体"/>
-              <a:cs typeface="黑体"/>
-            </a:endParaRPr>
-          </a:p>
-          <a:p>
-            <a:r>
-              <a:rPr kumimoji="1" lang="en-US" altLang="zh-TW" dirty="0" smtClean="0">
-                <a:latin typeface="黑体"/>
-                <a:ea typeface="黑体"/>
-                <a:cs typeface="黑体"/>
-              </a:rPr>
-              <a:t>4.TokuDB</a:t>
-            </a:r>
-            <a:r>
-              <a:rPr kumimoji="1" lang="zh-TW" altLang="en-US" dirty="0" smtClean="0">
-                <a:latin typeface="黑体"/>
-                <a:ea typeface="黑体"/>
-                <a:cs typeface="黑体"/>
-              </a:rPr>
-              <a:t>中</a:t>
-            </a:r>
-            <a:r>
-              <a:rPr kumimoji="1" lang="en-US" altLang="zh-TW" dirty="0" smtClean="0">
-                <a:latin typeface="黑体"/>
-                <a:ea typeface="黑体"/>
-                <a:cs typeface="黑体"/>
-              </a:rPr>
-              <a:t>ALTER TABLE</a:t>
-            </a:r>
-            <a:r>
-              <a:rPr kumimoji="1" lang="zh-TW" altLang="en-US" dirty="0" smtClean="0">
-                <a:latin typeface="黑体"/>
-                <a:ea typeface="黑体"/>
-                <a:cs typeface="黑体"/>
-              </a:rPr>
-              <a:t>可能产生的线程阻塞</a:t>
-            </a:r>
-            <a:endParaRPr kumimoji="1" lang="en-US" altLang="zh-TW" dirty="0" smtClean="0">
-              <a:latin typeface="黑体"/>
-              <a:ea typeface="黑体"/>
-              <a:cs typeface="黑体"/>
-            </a:endParaRPr>
-          </a:p>
-          <a:p>
-            <a:r>
-              <a:rPr kumimoji="1" lang="en-US" altLang="zh-TW" dirty="0" smtClean="0">
-                <a:latin typeface="黑体"/>
-                <a:ea typeface="黑体"/>
-                <a:cs typeface="黑体"/>
-              </a:rPr>
-              <a:t>5.jemalloc</a:t>
-            </a:r>
-            <a:r>
-              <a:rPr kumimoji="1" lang="zh-TW" altLang="en-US" dirty="0" smtClean="0">
-                <a:latin typeface="黑体"/>
-                <a:ea typeface="黑体"/>
-                <a:cs typeface="黑体"/>
-              </a:rPr>
-              <a:t>库版本</a:t>
-            </a:r>
-            <a:r>
-              <a:rPr kumimoji="1" lang="en-US" altLang="zh-TW" dirty="0" smtClean="0">
-                <a:latin typeface="黑体"/>
-                <a:ea typeface="黑体"/>
-                <a:cs typeface="黑体"/>
-              </a:rPr>
-              <a:t>bug </a:t>
-            </a:r>
-          </a:p>
-          <a:p>
-            <a:r>
-              <a:rPr kumimoji="1" lang="zh-CN" altLang="zh-TW" dirty="0" smtClean="0">
-                <a:latin typeface="黑体"/>
-                <a:ea typeface="黑体"/>
-                <a:cs typeface="黑体"/>
-              </a:rPr>
-              <a:t>6</a:t>
-            </a:r>
-            <a:r>
-              <a:rPr kumimoji="1" lang="en-US" altLang="zh-CN" dirty="0" smtClean="0">
-                <a:latin typeface="黑体"/>
-                <a:ea typeface="黑体"/>
-                <a:cs typeface="黑体"/>
-              </a:rPr>
-              <a:t>.etc.</a:t>
-            </a:r>
-            <a:endParaRPr kumimoji="1" lang="zh-CN" altLang="en-US" dirty="0">
-              <a:latin typeface="黑体"/>
-              <a:ea typeface="黑体"/>
-              <a:cs typeface="黑体"/>
-            </a:endParaRPr>
+            <a:endParaRPr kumimoji="1" lang="zh-CN" altLang="en-US" dirty="0"/>
           </a:p>
         </p:txBody>
       </p:sp>
@@ -5409,7 +5205,296 @@
           <a:p>
             <a:fld id="{D3CD7B7D-ADC6-5142-8B19-B354120EC6DE}" type="slidenum">
               <a:rPr kumimoji="1" lang="zh-CN" altLang="en-US" smtClean="0"/>
-              <a:t>21</a:t>
+              <a:t>20</a:t>
+            </a:fld>
+            <a:endParaRPr kumimoji="1" lang="zh-CN" altLang="en-US"/>
+          </a:p>
+        </p:txBody>
+      </p:sp>
+    </p:spTree>
+    <p:extLst>
+      <p:ext uri="{BB962C8B-B14F-4D97-AF65-F5344CB8AC3E}">
+        <p14:creationId xmlns:p14="http://schemas.microsoft.com/office/powerpoint/2010/main" val="1603160328"/>
+      </p:ext>
+    </p:extLst>
+  </p:cSld>
+  <p:clrMapOvr>
+    <a:masterClrMapping/>
+  </p:clrMapOvr>
+</p:notes>
+</file>
+
+<file path=ppt/notesSlides/notesSlide12.xml><?xml version="1.0" encoding="utf-8"?>
+<p:notes xmlns:a="http://schemas.openxmlformats.org/drawingml/2006/main" xmlns:r="http://schemas.openxmlformats.org/officeDocument/2006/relationships" xmlns:p="http://schemas.openxmlformats.org/presentationml/2006/main">
+  <p:cSld>
+    <p:spTree>
+      <p:nvGrpSpPr>
+        <p:cNvPr id="1" name=""/>
+        <p:cNvGrpSpPr/>
+        <p:nvPr/>
+      </p:nvGrpSpPr>
+      <p:grpSpPr>
+        <a:xfrm>
+          <a:off x="0" y="0"/>
+          <a:ext cx="0" cy="0"/>
+          <a:chOff x="0" y="0"/>
+          <a:chExt cx="0" cy="0"/>
+        </a:xfrm>
+      </p:grpSpPr>
+      <p:sp>
+        <p:nvSpPr>
+          <p:cNvPr id="2" name="幻灯片图像占位符 1"/>
+          <p:cNvSpPr>
+            <a:spLocks noGrp="1" noRot="1" noChangeAspect="1"/>
+          </p:cNvSpPr>
+          <p:nvPr>
+            <p:ph type="sldImg"/>
+          </p:nvPr>
+        </p:nvSpPr>
+        <p:spPr/>
+      </p:sp>
+      <p:sp>
+        <p:nvSpPr>
+          <p:cNvPr id="3" name="备注占位符 2"/>
+          <p:cNvSpPr>
+            <a:spLocks noGrp="1"/>
+          </p:cNvSpPr>
+          <p:nvPr>
+            <p:ph type="body" idx="1"/>
+          </p:nvPr>
+        </p:nvSpPr>
+        <p:spPr/>
+        <p:txBody>
+          <a:bodyPr/>
+          <a:lstStyle/>
+          <a:p>
+            <a:r>
+              <a:rPr kumimoji="1" lang="en-US" altLang="zh-TW" dirty="0" smtClean="0">
+                <a:latin typeface="黑体"/>
+                <a:ea typeface="黑体"/>
+                <a:cs typeface="黑体"/>
+              </a:rPr>
+              <a:t>1.tokudb</a:t>
+            </a:r>
+            <a:r>
+              <a:rPr kumimoji="1" lang="zh-TW" altLang="en-US" dirty="0" smtClean="0">
+                <a:latin typeface="黑体"/>
+                <a:ea typeface="黑体"/>
+                <a:cs typeface="黑体"/>
+              </a:rPr>
+              <a:t>引擎统计信息失效</a:t>
+            </a:r>
+            <a:endParaRPr kumimoji="1" lang="en-US" altLang="zh-TW" dirty="0" smtClean="0">
+              <a:latin typeface="黑体"/>
+              <a:ea typeface="黑体"/>
+              <a:cs typeface="黑体"/>
+            </a:endParaRPr>
+          </a:p>
+          <a:p>
+            <a:r>
+              <a:rPr kumimoji="1" lang="en-US" altLang="zh-TW" dirty="0" smtClean="0">
+                <a:latin typeface="黑体"/>
+                <a:ea typeface="黑体"/>
+                <a:cs typeface="黑体"/>
+              </a:rPr>
+              <a:t>2.</a:t>
+            </a:r>
+            <a:r>
+              <a:rPr kumimoji="1" lang="zh-TW" altLang="en-US" dirty="0" smtClean="0">
+                <a:latin typeface="黑体"/>
+                <a:ea typeface="黑体"/>
+                <a:cs typeface="黑体"/>
+              </a:rPr>
+              <a:t>关闭</a:t>
+            </a:r>
+            <a:r>
+              <a:rPr kumimoji="1" lang="en-US" altLang="zh-TW" dirty="0" err="1" smtClean="0">
+                <a:latin typeface="黑体"/>
+                <a:ea typeface="黑体"/>
+                <a:cs typeface="黑体"/>
+              </a:rPr>
+              <a:t>binlog</a:t>
+            </a:r>
+            <a:r>
+              <a:rPr kumimoji="1" lang="zh-TW" altLang="en-US" dirty="0" smtClean="0">
+                <a:latin typeface="黑体"/>
+                <a:ea typeface="黑体"/>
+                <a:cs typeface="黑体"/>
+              </a:rPr>
+              <a:t>导致</a:t>
+            </a:r>
+            <a:r>
+              <a:rPr kumimoji="1" lang="en-US" altLang="zh-TW" dirty="0" smtClean="0">
+                <a:latin typeface="黑体"/>
+                <a:ea typeface="黑体"/>
+                <a:cs typeface="黑体"/>
+              </a:rPr>
+              <a:t>MySQL</a:t>
+            </a:r>
+            <a:r>
+              <a:rPr kumimoji="1" lang="zh-TW" altLang="en-US" dirty="0" smtClean="0">
+                <a:latin typeface="黑体"/>
+                <a:ea typeface="黑体"/>
+                <a:cs typeface="黑体"/>
+              </a:rPr>
+              <a:t>实例</a:t>
+            </a:r>
+            <a:r>
+              <a:rPr kumimoji="1" lang="en-US" altLang="zh-TW" dirty="0" smtClean="0">
+                <a:latin typeface="黑体"/>
+                <a:ea typeface="黑体"/>
+                <a:cs typeface="黑体"/>
+              </a:rPr>
+              <a:t>crash</a:t>
+            </a:r>
+          </a:p>
+          <a:p>
+            <a:r>
+              <a:rPr kumimoji="1" lang="en-US" altLang="zh-TW" dirty="0" smtClean="0">
+                <a:latin typeface="黑体"/>
+                <a:ea typeface="黑体"/>
+                <a:cs typeface="黑体"/>
+              </a:rPr>
+              <a:t>3.</a:t>
+            </a:r>
+            <a:r>
+              <a:rPr kumimoji="1" lang="zh-TW" altLang="en-US" dirty="0" smtClean="0">
+                <a:latin typeface="黑体"/>
+                <a:ea typeface="黑体"/>
+                <a:cs typeface="黑体"/>
+              </a:rPr>
+              <a:t>执行</a:t>
+            </a:r>
+            <a:r>
+              <a:rPr kumimoji="1" lang="en-US" altLang="zh-TW" dirty="0" smtClean="0">
+                <a:latin typeface="黑体"/>
+                <a:ea typeface="黑体"/>
+                <a:cs typeface="黑体"/>
+              </a:rPr>
+              <a:t>MySQL</a:t>
+            </a:r>
+            <a:r>
+              <a:rPr kumimoji="1" lang="zh-TW" altLang="en-US" dirty="0" smtClean="0">
+                <a:latin typeface="黑体"/>
+                <a:ea typeface="黑体"/>
+                <a:cs typeface="黑体"/>
+              </a:rPr>
+              <a:t>部分操作慢</a:t>
+            </a:r>
+            <a:endParaRPr kumimoji="1" lang="en-US" altLang="zh-TW" dirty="0" smtClean="0">
+              <a:latin typeface="黑体"/>
+              <a:ea typeface="黑体"/>
+              <a:cs typeface="黑体"/>
+            </a:endParaRPr>
+          </a:p>
+          <a:p>
+            <a:r>
+              <a:rPr kumimoji="1" lang="en-US" altLang="zh-TW" dirty="0" smtClean="0">
+                <a:latin typeface="黑体"/>
+                <a:ea typeface="黑体"/>
+                <a:cs typeface="黑体"/>
+              </a:rPr>
+              <a:t>4.TokuDB</a:t>
+            </a:r>
+            <a:r>
+              <a:rPr kumimoji="1" lang="zh-TW" altLang="en-US" dirty="0" smtClean="0">
+                <a:latin typeface="黑体"/>
+                <a:ea typeface="黑体"/>
+                <a:cs typeface="黑体"/>
+              </a:rPr>
+              <a:t>中</a:t>
+            </a:r>
+            <a:r>
+              <a:rPr kumimoji="1" lang="en-US" altLang="zh-TW" dirty="0" smtClean="0">
+                <a:latin typeface="黑体"/>
+                <a:ea typeface="黑体"/>
+                <a:cs typeface="黑体"/>
+              </a:rPr>
+              <a:t>ALTER TABLE</a:t>
+            </a:r>
+            <a:r>
+              <a:rPr kumimoji="1" lang="zh-TW" altLang="en-US" dirty="0" smtClean="0">
+                <a:latin typeface="黑体"/>
+                <a:ea typeface="黑体"/>
+                <a:cs typeface="黑体"/>
+              </a:rPr>
+              <a:t>可能产生的线程阻塞</a:t>
+            </a:r>
+            <a:endParaRPr kumimoji="1" lang="en-US" altLang="zh-TW" dirty="0" smtClean="0">
+              <a:latin typeface="黑体"/>
+              <a:ea typeface="黑体"/>
+              <a:cs typeface="黑体"/>
+            </a:endParaRPr>
+          </a:p>
+          <a:p>
+            <a:r>
+              <a:rPr kumimoji="1" lang="en-US" altLang="zh-TW" dirty="0" smtClean="0">
+                <a:latin typeface="黑体"/>
+                <a:ea typeface="黑体"/>
+                <a:cs typeface="黑体"/>
+              </a:rPr>
+              <a:t>5.jemalloc</a:t>
+            </a:r>
+            <a:r>
+              <a:rPr kumimoji="1" lang="zh-TW" altLang="en-US" dirty="0" smtClean="0">
+                <a:latin typeface="黑体"/>
+                <a:ea typeface="黑体"/>
+                <a:cs typeface="黑体"/>
+              </a:rPr>
+              <a:t>库版本</a:t>
+            </a:r>
+            <a:r>
+              <a:rPr kumimoji="1" lang="en-US" altLang="zh-TW" dirty="0" smtClean="0">
+                <a:latin typeface="黑体"/>
+                <a:ea typeface="黑体"/>
+                <a:cs typeface="黑体"/>
+              </a:rPr>
+              <a:t>bug </a:t>
+            </a:r>
+          </a:p>
+          <a:p>
+            <a:r>
+              <a:rPr kumimoji="1" lang="zh-CN" altLang="zh-TW" dirty="0" smtClean="0">
+                <a:latin typeface="黑体"/>
+                <a:ea typeface="黑体"/>
+                <a:cs typeface="黑体"/>
+              </a:rPr>
+              <a:t>6</a:t>
+            </a:r>
+            <a:r>
+              <a:rPr kumimoji="1" lang="en-US" altLang="zh-CN" dirty="0" smtClean="0">
+                <a:latin typeface="黑体"/>
+                <a:ea typeface="黑体"/>
+                <a:cs typeface="黑体"/>
+              </a:rPr>
+              <a:t>.etc.</a:t>
+            </a:r>
+            <a:endParaRPr kumimoji="1" lang="zh-CN" altLang="en-US" dirty="0">
+              <a:latin typeface="黑体"/>
+              <a:ea typeface="黑体"/>
+              <a:cs typeface="黑体"/>
+            </a:endParaRPr>
+          </a:p>
+        </p:txBody>
+      </p:sp>
+      <p:sp>
+        <p:nvSpPr>
+          <p:cNvPr id="4" name="幻灯片编号占位符 3"/>
+          <p:cNvSpPr>
+            <a:spLocks noGrp="1"/>
+          </p:cNvSpPr>
+          <p:nvPr>
+            <p:ph type="sldNum" sz="quarter" idx="10"/>
+          </p:nvPr>
+        </p:nvSpPr>
+        <p:spPr/>
+        <p:txBody>
+          <a:bodyPr/>
+          <a:lstStyle/>
+          <a:p>
+            <a:fld id="{D3CD7B7D-ADC6-5142-8B19-B354120EC6DE}" type="slidenum">
+              <a:rPr kumimoji="1" lang="zh-CN" altLang="en-US" smtClean="0"/>
+              <a:t>22</a:t>
             </a:fld>
             <a:endParaRPr kumimoji="1" lang="zh-CN" altLang="en-US"/>
           </a:p>
@@ -5689,7 +5774,7 @@
               <a:t>redo</a:t>
             </a:r>
             <a:r>
-              <a:rPr kumimoji="1" lang="zh-CN" altLang="en-US" sz="1400" smtClean="0">
+              <a:rPr kumimoji="1" lang="zh-CN" altLang="en-US" sz="1400" dirty="0" smtClean="0">
                 <a:latin typeface="黑体"/>
                 <a:ea typeface="黑体"/>
                 <a:cs typeface="黑体"/>
@@ -5991,9 +6076,44 @@
             <a:endParaRPr kumimoji="1" lang="zh-CN" altLang="en-US" dirty="0"/>
           </a:p>
           <a:p>
+            <a:pPr marL="285750" indent="-285750">
+              <a:buFont typeface="Arial"/>
+              <a:buChar char="•"/>
+            </a:pPr>
+            <a:r>
+              <a:rPr lang="zh-CN" altLang="en-US" sz="1200" dirty="0" smtClean="0">
+                <a:latin typeface="黑体"/>
+                <a:ea typeface="黑体"/>
+                <a:cs typeface="黑体"/>
+              </a:rPr>
+              <a:t>非压缩页面还能够容纳数据，</a:t>
+            </a:r>
+          </a:p>
+          <a:p>
+            <a:pPr marL="285750" indent="-285750">
+              <a:buFont typeface="Arial"/>
+              <a:buChar char="•"/>
+            </a:pPr>
+            <a:r>
+              <a:rPr lang="zh-CN" altLang="en-US" sz="1200" dirty="0" smtClean="0">
+                <a:latin typeface="黑体"/>
+                <a:ea typeface="黑体"/>
+                <a:cs typeface="黑体"/>
+              </a:rPr>
+              <a:t>而压缩页面中数据不能被容纳时，就会返回压缩失败。造成分裂。</a:t>
+            </a:r>
+          </a:p>
+          <a:p>
+            <a:endParaRPr kumimoji="1" lang="zh-CN" altLang="en-US" dirty="0" smtClean="0"/>
+          </a:p>
+          <a:p>
+            <a:r>
+              <a:rPr kumimoji="1" lang="zh-CN" altLang="en-US" dirty="0" smtClean="0"/>
+              <a:t>-</a:t>
+            </a:r>
             <a:r>
               <a:rPr kumimoji="1" lang="zh-CN" altLang="en-US" dirty="0"/>
-              <a:t>----- 会议笔记(19/4/28 23:24) -----</a:t>
+              <a:t>---- 会议笔记(19/4/28 23:24) -----</a:t>
             </a:r>
           </a:p>
           <a:p>
@@ -6160,19 +6280,95 @@
           <a:bodyPr/>
           <a:lstStyle/>
           <a:p>
-            <a:endParaRPr kumimoji="1" lang="zh-CN" altLang="en-US"/>
-          </a:p>
-          <a:p>
-            <a:r>
-              <a:rPr kumimoji="1" lang="zh-CN" altLang="en-US"/>
+            <a:endParaRPr kumimoji="1" lang="zh-CN" altLang="en-US" dirty="0"/>
+          </a:p>
+          <a:p>
+            <a:r>
+              <a:rPr kumimoji="1" lang="zh-CN" altLang="en-US" dirty="0"/>
               <a:t>----- 会议笔记(19/4/28 23:24) -----</a:t>
             </a:r>
           </a:p>
           <a:p>
-            <a:r>
-              <a:rPr kumimoji="1" lang="zh-CN" altLang="en-US"/>
-              <a:t>做了哪些优化？？？细节？？</a:t>
-            </a:r>
+            <a:endParaRPr kumimoji="1" lang="zh-CN" altLang="en-US" dirty="0"/>
+          </a:p>
+          <a:p>
+            <a:r>
+              <a:rPr kumimoji="1" lang="zh-CN" altLang="en-US" dirty="0"/>
+              <a:t>压缩失败？页分裂为什么会慢？</a:t>
+            </a:r>
+            <a:r>
+              <a:rPr kumimoji="1" lang="zh-CN" altLang="en-US" dirty="0" smtClean="0"/>
+              <a:t>？</a:t>
+            </a:r>
+            <a:endParaRPr kumimoji="1" lang="en-US" altLang="zh-CN" dirty="0" smtClean="0"/>
+          </a:p>
+          <a:p>
+            <a:endParaRPr kumimoji="1" lang="en-US" altLang="zh-CN" dirty="0" smtClean="0"/>
+          </a:p>
+          <a:p>
+            <a:r>
+              <a:rPr kumimoji="1" lang="zh-CN" altLang="en-US" dirty="0" smtClean="0"/>
+              <a:t>官方版本为了避免每次插入都进行一次压缩，插入时，直接向压缩页中写入</a:t>
+            </a:r>
+            <a:r>
+              <a:rPr kumimoji="1" lang="en-US" altLang="zh-CN" dirty="0" err="1" smtClean="0"/>
+              <a:t>mlog</a:t>
+            </a:r>
+            <a:r>
+              <a:rPr kumimoji="1" lang="zh-CN" altLang="en-US" dirty="0" smtClean="0"/>
+              <a:t>（</a:t>
+            </a:r>
+            <a:r>
+              <a:rPr kumimoji="1" lang="en-US" altLang="zh-CN" dirty="0" smtClean="0"/>
+              <a:t>insert</a:t>
+            </a:r>
+            <a:r>
+              <a:rPr kumimoji="1" lang="zh-CN" altLang="en-US" dirty="0" smtClean="0"/>
+              <a:t>的数据）。同时插入非压缩页（非压缩插入流程）。只有压缩页上的空闲空间不够写入一条</a:t>
+            </a:r>
+            <a:r>
+              <a:rPr kumimoji="1" lang="en-US" altLang="zh-CN" dirty="0" err="1" smtClean="0"/>
+              <a:t>mlog</a:t>
+            </a:r>
+            <a:r>
+              <a:rPr kumimoji="1" lang="zh-CN" altLang="en-US" dirty="0" smtClean="0"/>
+              <a:t>时，才对非压缩页进行压缩生成新的压缩页。虽然这样能够减少压缩次数，但是相比于非压缩还是引入了比较重的压缩处理。同时官方版本的实现还存在着压缩失败的问题：由于不能压缩而引起的页面分裂。这个代价很高。一方面本次压缩操作无效。另一方面，分裂必须对</a:t>
+            </a:r>
+            <a:r>
+              <a:rPr kumimoji="1" lang="en-US" altLang="zh-CN" dirty="0" err="1" smtClean="0"/>
+              <a:t>btree</a:t>
+            </a:r>
+            <a:r>
+              <a:rPr kumimoji="1" lang="zh-CN" altLang="en-US" dirty="0" smtClean="0"/>
+              <a:t>上锁，造成并发等待的问题。测试中发现压缩的</a:t>
+            </a:r>
+            <a:r>
+              <a:rPr kumimoji="1" lang="en-US" altLang="zh-CN" dirty="0" smtClean="0"/>
+              <a:t>insert </a:t>
+            </a:r>
+            <a:r>
+              <a:rPr kumimoji="1" lang="en-US" altLang="zh-CN" dirty="0" err="1" smtClean="0"/>
+              <a:t>qps</a:t>
+            </a:r>
+            <a:r>
+              <a:rPr kumimoji="1" lang="zh-CN" altLang="en-US" dirty="0" smtClean="0"/>
+              <a:t>只有非压缩的</a:t>
+            </a:r>
+            <a:r>
+              <a:rPr kumimoji="1" lang="en-US" altLang="zh-CN" dirty="0" smtClean="0"/>
+              <a:t>1/3</a:t>
+            </a:r>
+            <a:r>
+              <a:rPr kumimoji="1" lang="zh-CN" altLang="en-US" dirty="0" smtClean="0"/>
+              <a:t>。在线上使用时出现同步延迟的问题，所以必须提高压缩版本的写入性能。</a:t>
+            </a:r>
+            <a:endParaRPr kumimoji="1" lang="en-US" altLang="zh-CN" dirty="0" smtClean="0"/>
+          </a:p>
+          <a:p>
+            <a:endParaRPr kumimoji="1" lang="en-US" altLang="zh-CN" dirty="0" smtClean="0"/>
+          </a:p>
+          <a:p>
+            <a:endParaRPr kumimoji="1" lang="zh-CN" altLang="en-US" dirty="0"/>
           </a:p>
         </p:txBody>
       </p:sp>
@@ -6193,7 +6389,7 @@
           <a:p>
             <a:fld id="{D3CD7B7D-ADC6-5142-8B19-B354120EC6DE}" type="slidenum">
               <a:rPr kumimoji="1" lang="zh-CN" altLang="en-US" smtClean="0"/>
-              <a:t>12</a:t>
+              <a:t>10</a:t>
             </a:fld>
             <a:endParaRPr kumimoji="1" lang="zh-CN" altLang="en-US"/>
           </a:p>
@@ -6202,7 +6398,7 @@
     </p:spTree>
     <p:extLst>
       <p:ext uri="{BB962C8B-B14F-4D97-AF65-F5344CB8AC3E}">
-        <p14:creationId xmlns:p14="http://schemas.microsoft.com/office/powerpoint/2010/main" val="1681173614"/>
+        <p14:creationId xmlns:p14="http://schemas.microsoft.com/office/powerpoint/2010/main" val="1310990825"/>
       </p:ext>
     </p:extLst>
   </p:cSld>
@@ -6256,671 +6452,19 @@
           <a:bodyPr/>
           <a:lstStyle/>
           <a:p>
-            <a:pPr>
-              <a:spcBef>
-                <a:spcPts val="300"/>
-              </a:spcBef>
-            </a:pPr>
-            <a:r>
-              <a:rPr kumimoji="1" lang="en-US" altLang="zh-CN" sz="1200" dirty="0" err="1" smtClean="0">
-                <a:latin typeface="微软雅黑"/>
-                <a:ea typeface="微软雅黑"/>
-                <a:cs typeface="微软雅黑"/>
-              </a:rPr>
-              <a:t>tokudb</a:t>
-            </a:r>
-            <a:r>
-              <a:rPr kumimoji="1" lang="zh-CN" altLang="en-US" sz="1200" dirty="0" smtClean="0">
-                <a:latin typeface="微软雅黑"/>
-                <a:ea typeface="微软雅黑"/>
-                <a:cs typeface="微软雅黑"/>
-              </a:rPr>
-              <a:t>存储引擎采用</a:t>
-            </a:r>
-            <a:r>
-              <a:rPr kumimoji="1" lang="zh-CN" altLang="en-US" sz="1200" dirty="0" smtClean="0">
-                <a:solidFill>
-                  <a:srgbClr val="FF0000"/>
-                </a:solidFill>
-                <a:latin typeface="微软雅黑"/>
-                <a:ea typeface="微软雅黑"/>
-                <a:cs typeface="微软雅黑"/>
-              </a:rPr>
-              <a:t>分型树</a:t>
-            </a:r>
-            <a:r>
-              <a:rPr kumimoji="1" lang="zh-CN" altLang="en-US" sz="1200" dirty="0" smtClean="0">
-                <a:latin typeface="微软雅黑"/>
-                <a:ea typeface="微软雅黑"/>
-                <a:cs typeface="微软雅黑"/>
-              </a:rPr>
-              <a:t>存储结构，优化了写入行为（</a:t>
-            </a:r>
-            <a:r>
-              <a:rPr kumimoji="1" lang="zh-CN" altLang="en-US" sz="1200" dirty="0" smtClean="0">
-                <a:solidFill>
-                  <a:srgbClr val="FF0000"/>
-                </a:solidFill>
-                <a:latin typeface="微软雅黑"/>
-                <a:ea typeface="微软雅黑"/>
-                <a:cs typeface="微软雅黑"/>
-              </a:rPr>
-              <a:t>同步改异步</a:t>
-            </a:r>
-            <a:r>
-              <a:rPr kumimoji="1" lang="zh-CN" altLang="en-US" sz="1200" dirty="0" smtClean="0">
-                <a:latin typeface="微软雅黑"/>
-                <a:ea typeface="微软雅黑"/>
-                <a:cs typeface="微软雅黑"/>
-              </a:rPr>
-              <a:t>），添加异步消息</a:t>
-            </a:r>
-          </a:p>
-          <a:p>
-            <a:pPr>
-              <a:spcBef>
-                <a:spcPts val="300"/>
-              </a:spcBef>
-            </a:pPr>
-            <a:r>
-              <a:rPr kumimoji="1" lang="zh-CN" altLang="en-US" sz="1200" dirty="0" smtClean="0">
-                <a:latin typeface="微软雅黑"/>
-                <a:ea typeface="微软雅黑"/>
-                <a:cs typeface="微软雅黑"/>
-              </a:rPr>
-              <a:t>缓存，写入性能比</a:t>
-            </a:r>
-            <a:r>
-              <a:rPr kumimoji="1" lang="en-US" altLang="zh-CN" sz="1200" dirty="0" err="1" smtClean="0">
-                <a:latin typeface="微软雅黑"/>
-                <a:ea typeface="微软雅黑"/>
-                <a:cs typeface="微软雅黑"/>
-              </a:rPr>
-              <a:t>innodb</a:t>
-            </a:r>
-            <a:r>
-              <a:rPr kumimoji="1" lang="zh-CN" altLang="en-US" sz="1200" dirty="0" smtClean="0">
-                <a:latin typeface="微软雅黑"/>
-                <a:ea typeface="微软雅黑"/>
-                <a:cs typeface="微软雅黑"/>
-              </a:rPr>
-              <a:t>引擎提升</a:t>
-            </a:r>
-            <a:r>
-              <a:rPr kumimoji="1" lang="en-US" altLang="zh-CN" sz="1200" dirty="0" smtClean="0">
-                <a:solidFill>
-                  <a:srgbClr val="FF0000"/>
-                </a:solidFill>
-                <a:latin typeface="微软雅黑"/>
-                <a:ea typeface="微软雅黑"/>
-                <a:cs typeface="微软雅黑"/>
-              </a:rPr>
-              <a:t>25%</a:t>
-            </a:r>
-            <a:r>
-              <a:rPr kumimoji="1" lang="zh-CN" altLang="en-US" sz="1200" dirty="0" smtClean="0">
-                <a:solidFill>
-                  <a:srgbClr val="FF0000"/>
-                </a:solidFill>
-                <a:latin typeface="微软雅黑"/>
-                <a:ea typeface="微软雅黑"/>
-                <a:cs typeface="微软雅黑"/>
-              </a:rPr>
-              <a:t>，</a:t>
-            </a:r>
-            <a:r>
-              <a:rPr kumimoji="1" lang="zh-CN" altLang="en-US" sz="1200" dirty="0" smtClean="0">
-                <a:solidFill>
-                  <a:srgbClr val="000000"/>
-                </a:solidFill>
-                <a:latin typeface="微软雅黑"/>
-                <a:ea typeface="微软雅黑"/>
-                <a:cs typeface="微软雅黑"/>
-              </a:rPr>
-              <a:t>但</a:t>
-            </a:r>
-            <a:r>
-              <a:rPr kumimoji="1" lang="zh-CN" altLang="en-US" sz="1200" dirty="0" smtClean="0">
-                <a:latin typeface="微软雅黑"/>
-                <a:ea typeface="微软雅黑"/>
-                <a:cs typeface="微软雅黑"/>
-              </a:rPr>
-              <a:t>由于每次查询请求都需要对同条链路上的</a:t>
-            </a:r>
-            <a:r>
-              <a:rPr kumimoji="1" lang="zh-CN" altLang="en-US" sz="1200" dirty="0" smtClean="0">
-                <a:solidFill>
-                  <a:srgbClr val="FF0000"/>
-                </a:solidFill>
-                <a:latin typeface="微软雅黑"/>
-                <a:ea typeface="微软雅黑"/>
-                <a:cs typeface="微软雅黑"/>
-              </a:rPr>
-              <a:t>异步消</a:t>
-            </a:r>
-          </a:p>
-          <a:p>
-            <a:pPr>
-              <a:spcBef>
-                <a:spcPts val="300"/>
-              </a:spcBef>
-            </a:pPr>
-            <a:r>
-              <a:rPr kumimoji="1" lang="zh-CN" altLang="en-US" sz="1200" dirty="0" smtClean="0">
-                <a:solidFill>
-                  <a:srgbClr val="FF0000"/>
-                </a:solidFill>
-                <a:latin typeface="微软雅黑"/>
-                <a:ea typeface="微软雅黑"/>
-                <a:cs typeface="微软雅黑"/>
-              </a:rPr>
-              <a:t>息缓存消息进行下推，</a:t>
-            </a:r>
-            <a:r>
-              <a:rPr kumimoji="1" lang="zh-CN" altLang="en-US" sz="1200" dirty="0" smtClean="0">
-                <a:latin typeface="微软雅黑"/>
-                <a:ea typeface="微软雅黑"/>
-                <a:cs typeface="微软雅黑"/>
-              </a:rPr>
-              <a:t>从而导致查询</a:t>
-            </a:r>
-            <a:r>
-              <a:rPr kumimoji="1" lang="en-US" altLang="zh-CN" sz="1200" dirty="0" smtClean="0">
-                <a:latin typeface="微软雅黑"/>
-                <a:ea typeface="微软雅黑"/>
-                <a:cs typeface="微软雅黑"/>
-              </a:rPr>
-              <a:t>SQL</a:t>
-            </a:r>
-            <a:r>
-              <a:rPr kumimoji="1" lang="zh-CN" altLang="en-US" sz="1200" dirty="0" smtClean="0">
-                <a:latin typeface="微软雅黑"/>
-                <a:ea typeface="微软雅黑"/>
-                <a:cs typeface="微软雅黑"/>
-              </a:rPr>
-              <a:t>响应耗时增加</a:t>
-            </a:r>
-            <a:r>
-              <a:rPr kumimoji="1" lang="en-US" altLang="zh-CN" sz="1200" dirty="0" smtClean="0">
-                <a:solidFill>
-                  <a:srgbClr val="FF0000"/>
-                </a:solidFill>
-                <a:latin typeface="微软雅黑"/>
-                <a:ea typeface="微软雅黑"/>
-                <a:cs typeface="微软雅黑"/>
-              </a:rPr>
-              <a:t>3.5%</a:t>
-            </a:r>
-            <a:endParaRPr kumimoji="1" lang="zh-CN" altLang="en-US" sz="1200" dirty="0" smtClean="0">
-              <a:latin typeface="黑体"/>
-              <a:ea typeface="黑体"/>
-              <a:cs typeface="黑体"/>
-            </a:endParaRPr>
-          </a:p>
-          <a:p>
-            <a:pPr marL="285750" indent="-285750">
-              <a:buFont typeface="Arial"/>
-              <a:buChar char="•"/>
-            </a:pPr>
-            <a:endParaRPr kumimoji="1" lang="en-US" altLang="zh-CN" dirty="0" smtClean="0">
-              <a:solidFill>
-                <a:srgbClr val="3366FF"/>
-              </a:solidFill>
-              <a:latin typeface="黑体"/>
-              <a:ea typeface="黑体"/>
-              <a:cs typeface="黑体"/>
-            </a:endParaRPr>
-          </a:p>
-          <a:p>
-            <a:pPr marL="285750" indent="-285750">
-              <a:buFont typeface="Arial"/>
-              <a:buChar char="•"/>
-            </a:pPr>
-            <a:endParaRPr kumimoji="1" lang="en-US" altLang="zh-CN" dirty="0" smtClean="0">
-              <a:solidFill>
-                <a:srgbClr val="3366FF"/>
-              </a:solidFill>
-              <a:latin typeface="黑体"/>
-              <a:ea typeface="黑体"/>
-              <a:cs typeface="黑体"/>
-            </a:endParaRPr>
-          </a:p>
-          <a:p>
-            <a:pPr marL="285750" indent="-285750">
-              <a:buFont typeface="Arial"/>
-              <a:buChar char="•"/>
-            </a:pPr>
-            <a:r>
-              <a:rPr kumimoji="1" lang="en-US" altLang="zh-CN" dirty="0" smtClean="0">
-                <a:solidFill>
-                  <a:srgbClr val="3366FF"/>
-                </a:solidFill>
-                <a:latin typeface="黑体"/>
-                <a:ea typeface="黑体"/>
-                <a:cs typeface="黑体"/>
-              </a:rPr>
-              <a:t>Innodb</a:t>
-            </a:r>
-            <a:r>
-              <a:rPr kumimoji="1" lang="zh-CN" altLang="en-US" dirty="0" smtClean="0">
-                <a:solidFill>
-                  <a:srgbClr val="3366FF"/>
-                </a:solidFill>
-                <a:latin typeface="黑体"/>
-                <a:ea typeface="黑体"/>
-                <a:cs typeface="黑体"/>
-              </a:rPr>
-              <a:t>的压缩受到页对齐影响，理论上线不会超过</a:t>
-            </a:r>
-            <a:r>
-              <a:rPr kumimoji="1" lang="en-US" altLang="zh-CN" dirty="0" smtClean="0">
-                <a:solidFill>
-                  <a:srgbClr val="3366FF"/>
-                </a:solidFill>
-                <a:latin typeface="黑体"/>
-                <a:ea typeface="黑体"/>
-                <a:cs typeface="黑体"/>
-              </a:rPr>
-              <a:t>50%</a:t>
-            </a:r>
-            <a:r>
-              <a:rPr kumimoji="1" lang="zh-CN" altLang="en-US" dirty="0" smtClean="0">
-                <a:solidFill>
-                  <a:srgbClr val="3366FF"/>
-                </a:solidFill>
-                <a:latin typeface="黑体"/>
-                <a:ea typeface="黑体"/>
-                <a:cs typeface="黑体"/>
-              </a:rPr>
-              <a:t>。</a:t>
-            </a:r>
-            <a:endParaRPr kumimoji="1" lang="en-US" altLang="zh-CN" dirty="0" smtClean="0">
-              <a:solidFill>
-                <a:srgbClr val="3366FF"/>
-              </a:solidFill>
-              <a:latin typeface="黑体"/>
-              <a:ea typeface="黑体"/>
-              <a:cs typeface="黑体"/>
-            </a:endParaRPr>
-          </a:p>
-          <a:p>
-            <a:pPr marL="285750" indent="-285750">
-              <a:buFont typeface="Arial"/>
-              <a:buChar char="•"/>
-            </a:pPr>
-            <a:r>
-              <a:rPr kumimoji="1" lang="en-US" altLang="zh-CN" dirty="0" err="1" smtClean="0">
-                <a:latin typeface="黑体"/>
-                <a:ea typeface="黑体"/>
-                <a:cs typeface="黑体"/>
-              </a:rPr>
-              <a:t>innodb</a:t>
-            </a:r>
-            <a:r>
-              <a:rPr kumimoji="1" lang="zh-CN" altLang="en-US" dirty="0" smtClean="0">
-                <a:latin typeface="黑体"/>
-                <a:ea typeface="黑体"/>
-                <a:cs typeface="黑体"/>
-              </a:rPr>
-              <a:t>引擎的压缩率接近</a:t>
-            </a:r>
-            <a:r>
-              <a:rPr kumimoji="1" lang="en-US" altLang="zh-CN" dirty="0" smtClean="0">
-                <a:latin typeface="黑体"/>
-                <a:ea typeface="黑体"/>
-                <a:cs typeface="黑体"/>
-              </a:rPr>
-              <a:t>59.5%</a:t>
-            </a:r>
-            <a:r>
-              <a:rPr kumimoji="1" lang="zh-CN" altLang="en-US" dirty="0" smtClean="0">
-                <a:latin typeface="黑体"/>
-                <a:ea typeface="黑体"/>
-                <a:cs typeface="黑体"/>
-              </a:rPr>
-              <a:t>，</a:t>
-            </a:r>
-            <a:r>
-              <a:rPr kumimoji="1" lang="en-US" altLang="zh-CN" dirty="0" err="1" smtClean="0">
-                <a:latin typeface="黑体"/>
-                <a:ea typeface="黑体"/>
-                <a:cs typeface="黑体"/>
-              </a:rPr>
-              <a:t>tokudb</a:t>
-            </a:r>
-            <a:r>
-              <a:rPr kumimoji="1" lang="zh-CN" altLang="en-US" dirty="0" smtClean="0">
-                <a:latin typeface="黑体"/>
-                <a:ea typeface="黑体"/>
-                <a:cs typeface="黑体"/>
-              </a:rPr>
-              <a:t>引擎压缩率可达到</a:t>
-            </a:r>
-            <a:r>
-              <a:rPr kumimoji="1" lang="en-US" altLang="zh-CN" dirty="0" smtClean="0">
-                <a:latin typeface="黑体"/>
-                <a:ea typeface="黑体"/>
-                <a:cs typeface="黑体"/>
-              </a:rPr>
-              <a:t>34.5% </a:t>
-            </a:r>
-          </a:p>
-          <a:p>
-            <a:pPr marL="285750" indent="-285750">
-              <a:buFont typeface="Arial"/>
-              <a:buChar char="•"/>
-            </a:pPr>
-            <a:r>
-              <a:rPr kumimoji="1" lang="en-US" altLang="zh-CN" dirty="0" err="1" smtClean="0">
-                <a:latin typeface="黑体"/>
-                <a:ea typeface="黑体"/>
-                <a:cs typeface="黑体"/>
-              </a:rPr>
-              <a:t>tokudb_lzma</a:t>
-            </a:r>
-            <a:r>
-              <a:rPr kumimoji="1" lang="zh-CN" altLang="en-US" dirty="0" smtClean="0">
-                <a:latin typeface="黑体"/>
-                <a:ea typeface="黑体"/>
-                <a:cs typeface="黑体"/>
-              </a:rPr>
-              <a:t>压缩算法压缩率最高，但同时导致批量写入性能降低</a:t>
-            </a:r>
-            <a:r>
-              <a:rPr kumimoji="1" lang="en-US" altLang="zh-CN" dirty="0" smtClean="0">
-                <a:latin typeface="黑体"/>
-                <a:ea typeface="黑体"/>
-                <a:cs typeface="黑体"/>
-              </a:rPr>
-              <a:t>27%</a:t>
-            </a:r>
-            <a:r>
-              <a:rPr kumimoji="1" lang="zh-CN" altLang="en-US" dirty="0" smtClean="0">
-                <a:latin typeface="黑体"/>
-                <a:ea typeface="黑体"/>
-                <a:cs typeface="黑体"/>
-              </a:rPr>
-              <a:t>，</a:t>
-            </a:r>
-            <a:r>
-              <a:rPr kumimoji="1" lang="en-US" altLang="zh-CN" dirty="0" smtClean="0">
-                <a:latin typeface="黑体"/>
-                <a:ea typeface="黑体"/>
-                <a:cs typeface="黑体"/>
-              </a:rPr>
-              <a:t>CPU</a:t>
-            </a:r>
-            <a:r>
-              <a:rPr kumimoji="1" lang="zh-CN" altLang="en-US" dirty="0" smtClean="0">
-                <a:latin typeface="黑体"/>
-                <a:ea typeface="黑体"/>
-                <a:cs typeface="黑体"/>
-              </a:rPr>
-              <a:t>消耗严重</a:t>
-            </a:r>
-            <a:endParaRPr kumimoji="1" lang="en-US" altLang="zh-CN" dirty="0" smtClean="0">
-              <a:latin typeface="黑体"/>
-              <a:ea typeface="黑体"/>
-              <a:cs typeface="黑体"/>
-            </a:endParaRPr>
-          </a:p>
-          <a:p>
-            <a:pPr marL="285750" indent="-285750">
-              <a:buFont typeface="Arial"/>
-              <a:buChar char="•"/>
-            </a:pPr>
-            <a:r>
-              <a:rPr kumimoji="1" lang="zh-CN" altLang="en-US" dirty="0" smtClean="0">
-                <a:latin typeface="黑体"/>
-                <a:ea typeface="黑体"/>
-                <a:cs typeface="黑体"/>
-              </a:rPr>
-              <a:t>采用</a:t>
-            </a:r>
-            <a:r>
-              <a:rPr kumimoji="1" lang="en-US" altLang="zh-CN" dirty="0" err="1" smtClean="0">
-                <a:latin typeface="黑体"/>
-                <a:ea typeface="黑体"/>
-                <a:cs typeface="黑体"/>
-              </a:rPr>
-              <a:t>tokudb</a:t>
-            </a:r>
-            <a:r>
-              <a:rPr kumimoji="1" lang="zh-CN" altLang="en-US" dirty="0" smtClean="0">
-                <a:latin typeface="黑体"/>
-                <a:ea typeface="黑体"/>
-                <a:cs typeface="黑体"/>
-              </a:rPr>
-              <a:t>引擎</a:t>
-            </a:r>
-            <a:r>
-              <a:rPr kumimoji="1" lang="en-US" altLang="zh-CN" dirty="0" err="1" smtClean="0">
-                <a:latin typeface="黑体"/>
-                <a:ea typeface="黑体"/>
-                <a:cs typeface="黑体"/>
-              </a:rPr>
-              <a:t>zlib,</a:t>
-            </a:r>
-            <a:r>
-              <a:rPr kumimoji="1" lang="en-US" altLang="zh-CN" dirty="0" err="1" smtClean="0">
-                <a:solidFill>
-                  <a:srgbClr val="FF0000"/>
-                </a:solidFill>
-                <a:latin typeface="黑体"/>
-                <a:ea typeface="黑体"/>
-                <a:cs typeface="黑体"/>
-              </a:rPr>
-              <a:t>quicklz</a:t>
-            </a:r>
-            <a:r>
-              <a:rPr kumimoji="1" lang="zh-CN" altLang="en-US" dirty="0" smtClean="0">
-                <a:latin typeface="黑体"/>
-                <a:ea typeface="黑体"/>
-                <a:cs typeface="黑体"/>
-              </a:rPr>
-              <a:t>压缩算法批量写入性能比</a:t>
-            </a:r>
-            <a:r>
-              <a:rPr kumimoji="1" lang="en-US" altLang="zh-CN" dirty="0" smtClean="0">
-                <a:latin typeface="黑体"/>
-                <a:ea typeface="黑体"/>
-                <a:cs typeface="黑体"/>
-              </a:rPr>
-              <a:t>Innodb</a:t>
-            </a:r>
-            <a:r>
-              <a:rPr kumimoji="1" lang="zh-CN" altLang="en-US" dirty="0" smtClean="0">
-                <a:latin typeface="黑体"/>
-                <a:ea typeface="黑体"/>
-                <a:cs typeface="黑体"/>
-              </a:rPr>
-              <a:t>提升</a:t>
-            </a:r>
-            <a:r>
-              <a:rPr kumimoji="1" lang="en-US" altLang="zh-CN" dirty="0" smtClean="0">
-                <a:latin typeface="黑体"/>
-                <a:ea typeface="黑体"/>
-                <a:cs typeface="黑体"/>
-              </a:rPr>
-              <a:t>15+% </a:t>
-            </a:r>
-          </a:p>
-          <a:p>
-            <a:pPr marL="285750" indent="-285750">
-              <a:buFont typeface="Arial"/>
-              <a:buChar char="•"/>
-            </a:pPr>
-            <a:r>
-              <a:rPr kumimoji="1" lang="en-US" altLang="zh-CN" dirty="0" err="1" smtClean="0">
-                <a:solidFill>
-                  <a:srgbClr val="FF0000"/>
-                </a:solidFill>
-                <a:latin typeface="黑体"/>
-                <a:ea typeface="黑体"/>
-                <a:cs typeface="黑体"/>
-              </a:rPr>
-              <a:t>Tokudb_ZSTD</a:t>
-            </a:r>
-            <a:r>
-              <a:rPr kumimoji="1" lang="en-US" altLang="en-US" dirty="0" err="1" smtClean="0">
-                <a:latin typeface="黑体"/>
-                <a:ea typeface="黑体"/>
-                <a:cs typeface="黑体"/>
-              </a:rPr>
-              <a:t>算法压缩率比</a:t>
-            </a:r>
-            <a:r>
-              <a:rPr kumimoji="1" lang="en-US" altLang="zh-CN" dirty="0" err="1" smtClean="0">
-                <a:latin typeface="黑体"/>
-                <a:ea typeface="黑体"/>
-                <a:cs typeface="黑体"/>
-              </a:rPr>
-              <a:t>tokudb_quicklz</a:t>
-            </a:r>
-            <a:r>
-              <a:rPr kumimoji="1" lang="zh-CN" altLang="en-US" dirty="0" smtClean="0">
-                <a:latin typeface="黑体"/>
-                <a:ea typeface="黑体"/>
-                <a:cs typeface="黑体"/>
-              </a:rPr>
-              <a:t>压缩率提升</a:t>
-            </a:r>
-            <a:r>
-              <a:rPr kumimoji="1" lang="en-US" altLang="zh-CN" dirty="0" smtClean="0">
-                <a:latin typeface="黑体"/>
-                <a:ea typeface="黑体"/>
-                <a:cs typeface="黑体"/>
-              </a:rPr>
-              <a:t>17.5%</a:t>
-            </a:r>
-            <a:r>
-              <a:rPr kumimoji="1" lang="zh-CN" altLang="en-US" dirty="0" smtClean="0">
-                <a:latin typeface="黑体"/>
-                <a:ea typeface="黑体"/>
-                <a:cs typeface="黑体"/>
-              </a:rPr>
-              <a:t>，性能提升</a:t>
-            </a:r>
-            <a:r>
-              <a:rPr kumimoji="1" lang="en-US" altLang="zh-CN" dirty="0" smtClean="0">
-                <a:latin typeface="黑体"/>
-                <a:ea typeface="黑体"/>
-                <a:cs typeface="黑体"/>
-              </a:rPr>
-              <a:t>7%</a:t>
-            </a:r>
-            <a:r>
-              <a:rPr kumimoji="1" lang="zh-CN" altLang="en-US" dirty="0" smtClean="0">
-                <a:latin typeface="黑体"/>
-                <a:ea typeface="黑体"/>
-                <a:cs typeface="黑体"/>
-              </a:rPr>
-              <a:t>。</a:t>
-            </a:r>
-            <a:endParaRPr kumimoji="1" lang="zh-CN" altLang="en-US" dirty="0" smtClean="0"/>
-          </a:p>
-          <a:p>
-            <a:pPr marL="285750" indent="-285750">
-              <a:buFont typeface="Arial"/>
-              <a:buChar char="•"/>
-            </a:pPr>
-            <a:endParaRPr kumimoji="1" lang="en-US" altLang="zh-CN" dirty="0" smtClean="0"/>
-          </a:p>
-          <a:p>
-            <a:pPr marL="285750" indent="-285750">
-              <a:buFont typeface="Arial"/>
-              <a:buChar char="•"/>
-            </a:pPr>
-            <a:endParaRPr kumimoji="1" lang="en-US" altLang="zh-CN" dirty="0" smtClean="0"/>
-          </a:p>
-          <a:p>
-            <a:pPr marL="285750" indent="-285750">
-              <a:buFont typeface="Arial"/>
-              <a:buChar char="•"/>
-            </a:pPr>
-            <a:r>
-              <a:rPr kumimoji="1" lang="en-US" altLang="zh-CN" dirty="0" err="1" smtClean="0"/>
-              <a:t>MyRocks</a:t>
-            </a:r>
-            <a:r>
-              <a:rPr kumimoji="1" lang="zh-CN" altLang="en-US" dirty="0" smtClean="0"/>
-              <a:t>主要的问题</a:t>
-            </a:r>
-          </a:p>
-          <a:p>
-            <a:pPr marL="800100" lvl="1" indent="-342900">
-              <a:buFont typeface="Arial"/>
-              <a:buChar char="•"/>
-            </a:pPr>
-            <a:r>
-              <a:rPr kumimoji="1" lang="zh-CN" altLang="en-US" dirty="0" smtClean="0"/>
-              <a:t>读性能相比</a:t>
-            </a:r>
-            <a:r>
-              <a:rPr kumimoji="1" lang="en-US" altLang="zh-CN" dirty="0" err="1" smtClean="0"/>
-              <a:t>innodb</a:t>
-            </a:r>
-            <a:r>
-              <a:rPr kumimoji="1" lang="zh-CN" altLang="en-US" dirty="0" smtClean="0"/>
-              <a:t>，下降明显。</a:t>
-            </a:r>
-            <a:endParaRPr kumimoji="1" lang="en-US" altLang="zh-CN" dirty="0" smtClean="0"/>
-          </a:p>
-          <a:p>
-            <a:pPr marL="800100" lvl="1" indent="-342900">
-              <a:buFont typeface="Arial"/>
-              <a:buChar char="•"/>
-            </a:pPr>
-            <a:r>
-              <a:rPr kumimoji="1" lang="zh-CN" altLang="en-US" dirty="0" smtClean="0"/>
-              <a:t>在线</a:t>
-            </a:r>
-            <a:r>
-              <a:rPr kumimoji="1" lang="en-US" altLang="zh-CN" dirty="0" smtClean="0"/>
-              <a:t>DDL</a:t>
-            </a:r>
-            <a:r>
-              <a:rPr kumimoji="1" lang="zh-CN" altLang="en-US" dirty="0" smtClean="0"/>
-              <a:t>修改（</a:t>
-            </a:r>
-            <a:r>
-              <a:rPr kumimoji="1" lang="en-US" altLang="zh-CN" dirty="0" smtClean="0"/>
-              <a:t>2017</a:t>
-            </a:r>
-            <a:r>
-              <a:rPr kumimoji="1" lang="zh-CN" altLang="en-US" dirty="0" smtClean="0"/>
-              <a:t>年）</a:t>
-            </a:r>
-          </a:p>
-          <a:p>
-            <a:pPr marL="800100" lvl="1" indent="-342900">
-              <a:buFont typeface="Arial"/>
-              <a:buChar char="•"/>
-            </a:pPr>
-            <a:r>
-              <a:rPr kumimoji="1" lang="zh-CN" altLang="en-US" dirty="0" smtClean="0"/>
-              <a:t>在</a:t>
-            </a:r>
-            <a:r>
-              <a:rPr kumimoji="1" lang="en-US" altLang="zh-CN" dirty="0" smtClean="0"/>
-              <a:t>SQL</a:t>
-            </a:r>
-            <a:r>
-              <a:rPr kumimoji="1" lang="zh-CN" altLang="en-US" dirty="0" smtClean="0"/>
-              <a:t>复杂的场景下对</a:t>
-            </a:r>
-            <a:r>
-              <a:rPr kumimoji="1" lang="en-US" altLang="zh-CN" dirty="0" err="1" smtClean="0"/>
-              <a:t>MyRocks</a:t>
-            </a:r>
-            <a:r>
-              <a:rPr kumimoji="1" lang="zh-CN" altLang="en-US" dirty="0" smtClean="0"/>
-              <a:t>还没有足够信心。</a:t>
-            </a:r>
-            <a:endParaRPr kumimoji="1" lang="en-US" altLang="zh-CN" dirty="0" smtClean="0"/>
-          </a:p>
-          <a:p>
-            <a:endParaRPr kumimoji="1" lang="zh-CN" altLang="en-US" dirty="0"/>
+            <a:endParaRPr kumimoji="1" lang="zh-CN" altLang="en-US"/>
+          </a:p>
+          <a:p>
+            <a:r>
+              <a:rPr kumimoji="1" lang="zh-CN" altLang="en-US"/>
+              <a:t>----- 会议笔记(19/4/28 23:24) -----</a:t>
+            </a:r>
+          </a:p>
+          <a:p>
+            <a:r>
+              <a:rPr kumimoji="1" lang="zh-CN" altLang="en-US"/>
+              <a:t>做了哪些优化？？？细节？？</a:t>
+            </a:r>
           </a:p>
         </p:txBody>
       </p:sp>
@@ -6950,7 +6494,7 @@
     </p:spTree>
     <p:extLst>
       <p:ext uri="{BB962C8B-B14F-4D97-AF65-F5344CB8AC3E}">
-        <p14:creationId xmlns:p14="http://schemas.microsoft.com/office/powerpoint/2010/main" val="826024312"/>
+        <p14:creationId xmlns:p14="http://schemas.microsoft.com/office/powerpoint/2010/main" val="1681173614"/>
       </p:ext>
     </p:extLst>
   </p:cSld>
@@ -7004,6 +6548,670 @@
           <a:bodyPr/>
           <a:lstStyle/>
           <a:p>
+            <a:pPr>
+              <a:spcBef>
+                <a:spcPts val="300"/>
+              </a:spcBef>
+            </a:pPr>
+            <a:r>
+              <a:rPr kumimoji="1" lang="en-US" altLang="zh-CN" sz="1200" dirty="0" err="1" smtClean="0">
+                <a:latin typeface="微软雅黑"/>
+                <a:ea typeface="微软雅黑"/>
+                <a:cs typeface="微软雅黑"/>
+              </a:rPr>
+              <a:t>tokudb</a:t>
+            </a:r>
+            <a:r>
+              <a:rPr kumimoji="1" lang="zh-CN" altLang="en-US" sz="1200" dirty="0" smtClean="0">
+                <a:latin typeface="微软雅黑"/>
+                <a:ea typeface="微软雅黑"/>
+                <a:cs typeface="微软雅黑"/>
+              </a:rPr>
+              <a:t>存储引擎采用</a:t>
+            </a:r>
+            <a:r>
+              <a:rPr kumimoji="1" lang="zh-CN" altLang="en-US" sz="1200" dirty="0" smtClean="0">
+                <a:solidFill>
+                  <a:srgbClr val="FF0000"/>
+                </a:solidFill>
+                <a:latin typeface="微软雅黑"/>
+                <a:ea typeface="微软雅黑"/>
+                <a:cs typeface="微软雅黑"/>
+              </a:rPr>
+              <a:t>分型树</a:t>
+            </a:r>
+            <a:r>
+              <a:rPr kumimoji="1" lang="zh-CN" altLang="en-US" sz="1200" dirty="0" smtClean="0">
+                <a:latin typeface="微软雅黑"/>
+                <a:ea typeface="微软雅黑"/>
+                <a:cs typeface="微软雅黑"/>
+              </a:rPr>
+              <a:t>存储结构，优化了写入行为（</a:t>
+            </a:r>
+            <a:r>
+              <a:rPr kumimoji="1" lang="zh-CN" altLang="en-US" sz="1200" dirty="0" smtClean="0">
+                <a:solidFill>
+                  <a:srgbClr val="FF0000"/>
+                </a:solidFill>
+                <a:latin typeface="微软雅黑"/>
+                <a:ea typeface="微软雅黑"/>
+                <a:cs typeface="微软雅黑"/>
+              </a:rPr>
+              <a:t>同步改异步</a:t>
+            </a:r>
+            <a:r>
+              <a:rPr kumimoji="1" lang="zh-CN" altLang="en-US" sz="1200" dirty="0" smtClean="0">
+                <a:latin typeface="微软雅黑"/>
+                <a:ea typeface="微软雅黑"/>
+                <a:cs typeface="微软雅黑"/>
+              </a:rPr>
+              <a:t>），添加异步消息</a:t>
+            </a:r>
+          </a:p>
+          <a:p>
+            <a:pPr>
+              <a:spcBef>
+                <a:spcPts val="300"/>
+              </a:spcBef>
+            </a:pPr>
+            <a:r>
+              <a:rPr kumimoji="1" lang="zh-CN" altLang="en-US" sz="1200" dirty="0" smtClean="0">
+                <a:latin typeface="微软雅黑"/>
+                <a:ea typeface="微软雅黑"/>
+                <a:cs typeface="微软雅黑"/>
+              </a:rPr>
+              <a:t>缓存，写入性能比</a:t>
+            </a:r>
+            <a:r>
+              <a:rPr kumimoji="1" lang="en-US" altLang="zh-CN" sz="1200" dirty="0" err="1" smtClean="0">
+                <a:latin typeface="微软雅黑"/>
+                <a:ea typeface="微软雅黑"/>
+                <a:cs typeface="微软雅黑"/>
+              </a:rPr>
+              <a:t>innodb</a:t>
+            </a:r>
+            <a:r>
+              <a:rPr kumimoji="1" lang="zh-CN" altLang="en-US" sz="1200" dirty="0" smtClean="0">
+                <a:latin typeface="微软雅黑"/>
+                <a:ea typeface="微软雅黑"/>
+                <a:cs typeface="微软雅黑"/>
+              </a:rPr>
+              <a:t>引擎提升</a:t>
+            </a:r>
+            <a:r>
+              <a:rPr kumimoji="1" lang="en-US" altLang="zh-CN" sz="1200" dirty="0" smtClean="0">
+                <a:solidFill>
+                  <a:srgbClr val="FF0000"/>
+                </a:solidFill>
+                <a:latin typeface="微软雅黑"/>
+                <a:ea typeface="微软雅黑"/>
+                <a:cs typeface="微软雅黑"/>
+              </a:rPr>
+              <a:t>25%</a:t>
+            </a:r>
+            <a:r>
+              <a:rPr kumimoji="1" lang="zh-CN" altLang="en-US" sz="1200" dirty="0" smtClean="0">
+                <a:solidFill>
+                  <a:srgbClr val="FF0000"/>
+                </a:solidFill>
+                <a:latin typeface="微软雅黑"/>
+                <a:ea typeface="微软雅黑"/>
+                <a:cs typeface="微软雅黑"/>
+              </a:rPr>
+              <a:t>，</a:t>
+            </a:r>
+            <a:r>
+              <a:rPr kumimoji="1" lang="zh-CN" altLang="en-US" sz="1200" dirty="0" smtClean="0">
+                <a:solidFill>
+                  <a:srgbClr val="000000"/>
+                </a:solidFill>
+                <a:latin typeface="微软雅黑"/>
+                <a:ea typeface="微软雅黑"/>
+                <a:cs typeface="微软雅黑"/>
+              </a:rPr>
+              <a:t>但</a:t>
+            </a:r>
+            <a:r>
+              <a:rPr kumimoji="1" lang="zh-CN" altLang="en-US" sz="1200" dirty="0" smtClean="0">
+                <a:latin typeface="微软雅黑"/>
+                <a:ea typeface="微软雅黑"/>
+                <a:cs typeface="微软雅黑"/>
+              </a:rPr>
+              <a:t>由于每次查询请求都需要对同条链路上的</a:t>
+            </a:r>
+            <a:r>
+              <a:rPr kumimoji="1" lang="zh-CN" altLang="en-US" sz="1200" dirty="0" smtClean="0">
+                <a:solidFill>
+                  <a:srgbClr val="FF0000"/>
+                </a:solidFill>
+                <a:latin typeface="微软雅黑"/>
+                <a:ea typeface="微软雅黑"/>
+                <a:cs typeface="微软雅黑"/>
+              </a:rPr>
+              <a:t>异步消</a:t>
+            </a:r>
+          </a:p>
+          <a:p>
+            <a:pPr>
+              <a:spcBef>
+                <a:spcPts val="300"/>
+              </a:spcBef>
+            </a:pPr>
+            <a:r>
+              <a:rPr kumimoji="1" lang="zh-CN" altLang="en-US" sz="1200" dirty="0" smtClean="0">
+                <a:solidFill>
+                  <a:srgbClr val="FF0000"/>
+                </a:solidFill>
+                <a:latin typeface="微软雅黑"/>
+                <a:ea typeface="微软雅黑"/>
+                <a:cs typeface="微软雅黑"/>
+              </a:rPr>
+              <a:t>息缓存消息进行下推，</a:t>
+            </a:r>
+            <a:r>
+              <a:rPr kumimoji="1" lang="zh-CN" altLang="en-US" sz="1200" dirty="0" smtClean="0">
+                <a:latin typeface="微软雅黑"/>
+                <a:ea typeface="微软雅黑"/>
+                <a:cs typeface="微软雅黑"/>
+              </a:rPr>
+              <a:t>从而导致查询</a:t>
+            </a:r>
+            <a:r>
+              <a:rPr kumimoji="1" lang="en-US" altLang="zh-CN" sz="1200" dirty="0" smtClean="0">
+                <a:latin typeface="微软雅黑"/>
+                <a:ea typeface="微软雅黑"/>
+                <a:cs typeface="微软雅黑"/>
+              </a:rPr>
+              <a:t>SQL</a:t>
+            </a:r>
+            <a:r>
+              <a:rPr kumimoji="1" lang="zh-CN" altLang="en-US" sz="1200" dirty="0" smtClean="0">
+                <a:latin typeface="微软雅黑"/>
+                <a:ea typeface="微软雅黑"/>
+                <a:cs typeface="微软雅黑"/>
+              </a:rPr>
+              <a:t>响应耗时增加</a:t>
+            </a:r>
+            <a:r>
+              <a:rPr kumimoji="1" lang="en-US" altLang="zh-CN" sz="1200" dirty="0" smtClean="0">
+                <a:solidFill>
+                  <a:srgbClr val="FF0000"/>
+                </a:solidFill>
+                <a:latin typeface="微软雅黑"/>
+                <a:ea typeface="微软雅黑"/>
+                <a:cs typeface="微软雅黑"/>
+              </a:rPr>
+              <a:t>3.5%</a:t>
+            </a:r>
+            <a:endParaRPr kumimoji="1" lang="zh-CN" altLang="en-US" sz="1200" dirty="0" smtClean="0">
+              <a:latin typeface="黑体"/>
+              <a:ea typeface="黑体"/>
+              <a:cs typeface="黑体"/>
+            </a:endParaRPr>
+          </a:p>
+          <a:p>
+            <a:pPr marL="285750" indent="-285750">
+              <a:buFont typeface="Arial"/>
+              <a:buChar char="•"/>
+            </a:pPr>
+            <a:endParaRPr kumimoji="1" lang="en-US" altLang="zh-CN" dirty="0" smtClean="0">
+              <a:solidFill>
+                <a:srgbClr val="3366FF"/>
+              </a:solidFill>
+              <a:latin typeface="黑体"/>
+              <a:ea typeface="黑体"/>
+              <a:cs typeface="黑体"/>
+            </a:endParaRPr>
+          </a:p>
+          <a:p>
+            <a:pPr marL="285750" indent="-285750">
+              <a:buFont typeface="Arial"/>
+              <a:buChar char="•"/>
+            </a:pPr>
+            <a:endParaRPr kumimoji="1" lang="en-US" altLang="zh-CN" dirty="0" smtClean="0">
+              <a:solidFill>
+                <a:srgbClr val="3366FF"/>
+              </a:solidFill>
+              <a:latin typeface="黑体"/>
+              <a:ea typeface="黑体"/>
+              <a:cs typeface="黑体"/>
+            </a:endParaRPr>
+          </a:p>
+          <a:p>
+            <a:pPr marL="285750" indent="-285750">
+              <a:buFont typeface="Arial"/>
+              <a:buChar char="•"/>
+            </a:pPr>
+            <a:r>
+              <a:rPr kumimoji="1" lang="en-US" altLang="zh-CN" dirty="0" smtClean="0">
+                <a:solidFill>
+                  <a:srgbClr val="3366FF"/>
+                </a:solidFill>
+                <a:latin typeface="黑体"/>
+                <a:ea typeface="黑体"/>
+                <a:cs typeface="黑体"/>
+              </a:rPr>
+              <a:t>Innodb</a:t>
+            </a:r>
+            <a:r>
+              <a:rPr kumimoji="1" lang="zh-CN" altLang="en-US" dirty="0" smtClean="0">
+                <a:solidFill>
+                  <a:srgbClr val="3366FF"/>
+                </a:solidFill>
+                <a:latin typeface="黑体"/>
+                <a:ea typeface="黑体"/>
+                <a:cs typeface="黑体"/>
+              </a:rPr>
+              <a:t>的压缩受到页对齐影响，理论上线不会超过</a:t>
+            </a:r>
+            <a:r>
+              <a:rPr kumimoji="1" lang="en-US" altLang="zh-CN" dirty="0" smtClean="0">
+                <a:solidFill>
+                  <a:srgbClr val="3366FF"/>
+                </a:solidFill>
+                <a:latin typeface="黑体"/>
+                <a:ea typeface="黑体"/>
+                <a:cs typeface="黑体"/>
+              </a:rPr>
+              <a:t>50%</a:t>
+            </a:r>
+            <a:r>
+              <a:rPr kumimoji="1" lang="zh-CN" altLang="en-US" dirty="0" smtClean="0">
+                <a:solidFill>
+                  <a:srgbClr val="3366FF"/>
+                </a:solidFill>
+                <a:latin typeface="黑体"/>
+                <a:ea typeface="黑体"/>
+                <a:cs typeface="黑体"/>
+              </a:rPr>
+              <a:t>。</a:t>
+            </a:r>
+            <a:endParaRPr kumimoji="1" lang="en-US" altLang="zh-CN" dirty="0" smtClean="0">
+              <a:solidFill>
+                <a:srgbClr val="3366FF"/>
+              </a:solidFill>
+              <a:latin typeface="黑体"/>
+              <a:ea typeface="黑体"/>
+              <a:cs typeface="黑体"/>
+            </a:endParaRPr>
+          </a:p>
+          <a:p>
+            <a:pPr marL="285750" indent="-285750">
+              <a:buFont typeface="Arial"/>
+              <a:buChar char="•"/>
+            </a:pPr>
+            <a:r>
+              <a:rPr kumimoji="1" lang="en-US" altLang="zh-CN" dirty="0" err="1" smtClean="0">
+                <a:latin typeface="黑体"/>
+                <a:ea typeface="黑体"/>
+                <a:cs typeface="黑体"/>
+              </a:rPr>
+              <a:t>innodb</a:t>
+            </a:r>
+            <a:r>
+              <a:rPr kumimoji="1" lang="zh-CN" altLang="en-US" dirty="0" smtClean="0">
+                <a:latin typeface="黑体"/>
+                <a:ea typeface="黑体"/>
+                <a:cs typeface="黑体"/>
+              </a:rPr>
+              <a:t>引擎的压缩率接近</a:t>
+            </a:r>
+            <a:r>
+              <a:rPr kumimoji="1" lang="en-US" altLang="zh-CN" dirty="0" smtClean="0">
+                <a:latin typeface="黑体"/>
+                <a:ea typeface="黑体"/>
+                <a:cs typeface="黑体"/>
+              </a:rPr>
+              <a:t>59.5%</a:t>
+            </a:r>
+            <a:r>
+              <a:rPr kumimoji="1" lang="zh-CN" altLang="en-US" dirty="0" smtClean="0">
+                <a:latin typeface="黑体"/>
+                <a:ea typeface="黑体"/>
+                <a:cs typeface="黑体"/>
+              </a:rPr>
+              <a:t>，</a:t>
+            </a:r>
+            <a:r>
+              <a:rPr kumimoji="1" lang="en-US" altLang="zh-CN" dirty="0" err="1" smtClean="0">
+                <a:latin typeface="黑体"/>
+                <a:ea typeface="黑体"/>
+                <a:cs typeface="黑体"/>
+              </a:rPr>
+              <a:t>tokudb</a:t>
+            </a:r>
+            <a:r>
+              <a:rPr kumimoji="1" lang="zh-CN" altLang="en-US" dirty="0" smtClean="0">
+                <a:latin typeface="黑体"/>
+                <a:ea typeface="黑体"/>
+                <a:cs typeface="黑体"/>
+              </a:rPr>
+              <a:t>引擎压缩率可达到</a:t>
+            </a:r>
+            <a:r>
+              <a:rPr kumimoji="1" lang="en-US" altLang="zh-CN" dirty="0" smtClean="0">
+                <a:latin typeface="黑体"/>
+                <a:ea typeface="黑体"/>
+                <a:cs typeface="黑体"/>
+              </a:rPr>
+              <a:t>34.5% </a:t>
+            </a:r>
+          </a:p>
+          <a:p>
+            <a:pPr marL="285750" indent="-285750">
+              <a:buFont typeface="Arial"/>
+              <a:buChar char="•"/>
+            </a:pPr>
+            <a:r>
+              <a:rPr kumimoji="1" lang="en-US" altLang="zh-CN" dirty="0" err="1" smtClean="0">
+                <a:latin typeface="黑体"/>
+                <a:ea typeface="黑体"/>
+                <a:cs typeface="黑体"/>
+              </a:rPr>
+              <a:t>tokudb_lzma</a:t>
+            </a:r>
+            <a:r>
+              <a:rPr kumimoji="1" lang="zh-CN" altLang="en-US" dirty="0" smtClean="0">
+                <a:latin typeface="黑体"/>
+                <a:ea typeface="黑体"/>
+                <a:cs typeface="黑体"/>
+              </a:rPr>
+              <a:t>压缩算法压缩率最高，但同时导致批量写入性能降低</a:t>
+            </a:r>
+            <a:r>
+              <a:rPr kumimoji="1" lang="en-US" altLang="zh-CN" dirty="0" smtClean="0">
+                <a:latin typeface="黑体"/>
+                <a:ea typeface="黑体"/>
+                <a:cs typeface="黑体"/>
+              </a:rPr>
+              <a:t>27%</a:t>
+            </a:r>
+            <a:r>
+              <a:rPr kumimoji="1" lang="zh-CN" altLang="en-US" dirty="0" smtClean="0">
+                <a:latin typeface="黑体"/>
+                <a:ea typeface="黑体"/>
+                <a:cs typeface="黑体"/>
+              </a:rPr>
+              <a:t>，</a:t>
+            </a:r>
+            <a:r>
+              <a:rPr kumimoji="1" lang="en-US" altLang="zh-CN" dirty="0" smtClean="0">
+                <a:latin typeface="黑体"/>
+                <a:ea typeface="黑体"/>
+                <a:cs typeface="黑体"/>
+              </a:rPr>
+              <a:t>CPU</a:t>
+            </a:r>
+            <a:r>
+              <a:rPr kumimoji="1" lang="zh-CN" altLang="en-US" dirty="0" smtClean="0">
+                <a:latin typeface="黑体"/>
+                <a:ea typeface="黑体"/>
+                <a:cs typeface="黑体"/>
+              </a:rPr>
+              <a:t>消耗严重</a:t>
+            </a:r>
+            <a:endParaRPr kumimoji="1" lang="en-US" altLang="zh-CN" dirty="0" smtClean="0">
+              <a:latin typeface="黑体"/>
+              <a:ea typeface="黑体"/>
+              <a:cs typeface="黑体"/>
+            </a:endParaRPr>
+          </a:p>
+          <a:p>
+            <a:pPr marL="285750" indent="-285750">
+              <a:buFont typeface="Arial"/>
+              <a:buChar char="•"/>
+            </a:pPr>
+            <a:r>
+              <a:rPr kumimoji="1" lang="zh-CN" altLang="en-US" dirty="0" smtClean="0">
+                <a:latin typeface="黑体"/>
+                <a:ea typeface="黑体"/>
+                <a:cs typeface="黑体"/>
+              </a:rPr>
+              <a:t>采用</a:t>
+            </a:r>
+            <a:r>
+              <a:rPr kumimoji="1" lang="en-US" altLang="zh-CN" dirty="0" err="1" smtClean="0">
+                <a:latin typeface="黑体"/>
+                <a:ea typeface="黑体"/>
+                <a:cs typeface="黑体"/>
+              </a:rPr>
+              <a:t>tokudb</a:t>
+            </a:r>
+            <a:r>
+              <a:rPr kumimoji="1" lang="zh-CN" altLang="en-US" dirty="0" smtClean="0">
+                <a:latin typeface="黑体"/>
+                <a:ea typeface="黑体"/>
+                <a:cs typeface="黑体"/>
+              </a:rPr>
+              <a:t>引擎</a:t>
+            </a:r>
+            <a:r>
+              <a:rPr kumimoji="1" lang="en-US" altLang="zh-CN" dirty="0" err="1" smtClean="0">
+                <a:latin typeface="黑体"/>
+                <a:ea typeface="黑体"/>
+                <a:cs typeface="黑体"/>
+              </a:rPr>
+              <a:t>zlib,</a:t>
+            </a:r>
+            <a:r>
+              <a:rPr kumimoji="1" lang="en-US" altLang="zh-CN" dirty="0" err="1" smtClean="0">
+                <a:solidFill>
+                  <a:srgbClr val="FF0000"/>
+                </a:solidFill>
+                <a:latin typeface="黑体"/>
+                <a:ea typeface="黑体"/>
+                <a:cs typeface="黑体"/>
+              </a:rPr>
+              <a:t>quicklz</a:t>
+            </a:r>
+            <a:r>
+              <a:rPr kumimoji="1" lang="zh-CN" altLang="en-US" dirty="0" smtClean="0">
+                <a:latin typeface="黑体"/>
+                <a:ea typeface="黑体"/>
+                <a:cs typeface="黑体"/>
+              </a:rPr>
+              <a:t>压缩算法批量写入性能比</a:t>
+            </a:r>
+            <a:r>
+              <a:rPr kumimoji="1" lang="en-US" altLang="zh-CN" dirty="0" smtClean="0">
+                <a:latin typeface="黑体"/>
+                <a:ea typeface="黑体"/>
+                <a:cs typeface="黑体"/>
+              </a:rPr>
+              <a:t>Innodb</a:t>
+            </a:r>
+            <a:r>
+              <a:rPr kumimoji="1" lang="zh-CN" altLang="en-US" dirty="0" smtClean="0">
+                <a:latin typeface="黑体"/>
+                <a:ea typeface="黑体"/>
+                <a:cs typeface="黑体"/>
+              </a:rPr>
+              <a:t>提升</a:t>
+            </a:r>
+            <a:r>
+              <a:rPr kumimoji="1" lang="en-US" altLang="zh-CN" dirty="0" smtClean="0">
+                <a:latin typeface="黑体"/>
+                <a:ea typeface="黑体"/>
+                <a:cs typeface="黑体"/>
+              </a:rPr>
+              <a:t>15+% </a:t>
+            </a:r>
+          </a:p>
+          <a:p>
+            <a:pPr marL="285750" indent="-285750">
+              <a:buFont typeface="Arial"/>
+              <a:buChar char="•"/>
+            </a:pPr>
+            <a:r>
+              <a:rPr kumimoji="1" lang="en-US" altLang="zh-CN" dirty="0" err="1" smtClean="0">
+                <a:solidFill>
+                  <a:srgbClr val="FF0000"/>
+                </a:solidFill>
+                <a:latin typeface="黑体"/>
+                <a:ea typeface="黑体"/>
+                <a:cs typeface="黑体"/>
+              </a:rPr>
+              <a:t>Tokudb_ZSTD</a:t>
+            </a:r>
+            <a:r>
+              <a:rPr kumimoji="1" lang="en-US" altLang="en-US" dirty="0" err="1" smtClean="0">
+                <a:latin typeface="黑体"/>
+                <a:ea typeface="黑体"/>
+                <a:cs typeface="黑体"/>
+              </a:rPr>
+              <a:t>算法压缩率比</a:t>
+            </a:r>
+            <a:r>
+              <a:rPr kumimoji="1" lang="en-US" altLang="zh-CN" dirty="0" err="1" smtClean="0">
+                <a:latin typeface="黑体"/>
+                <a:ea typeface="黑体"/>
+                <a:cs typeface="黑体"/>
+              </a:rPr>
+              <a:t>tokudb_quicklz</a:t>
+            </a:r>
+            <a:r>
+              <a:rPr kumimoji="1" lang="zh-CN" altLang="en-US" dirty="0" smtClean="0">
+                <a:latin typeface="黑体"/>
+                <a:ea typeface="黑体"/>
+                <a:cs typeface="黑体"/>
+              </a:rPr>
+              <a:t>压缩率提升</a:t>
+            </a:r>
+            <a:r>
+              <a:rPr kumimoji="1" lang="en-US" altLang="zh-CN" dirty="0" smtClean="0">
+                <a:latin typeface="黑体"/>
+                <a:ea typeface="黑体"/>
+                <a:cs typeface="黑体"/>
+              </a:rPr>
+              <a:t>17.5%</a:t>
+            </a:r>
+            <a:r>
+              <a:rPr kumimoji="1" lang="zh-CN" altLang="en-US" dirty="0" smtClean="0">
+                <a:latin typeface="黑体"/>
+                <a:ea typeface="黑体"/>
+                <a:cs typeface="黑体"/>
+              </a:rPr>
+              <a:t>，性能提升</a:t>
+            </a:r>
+            <a:r>
+              <a:rPr kumimoji="1" lang="en-US" altLang="zh-CN" dirty="0" smtClean="0">
+                <a:latin typeface="黑体"/>
+                <a:ea typeface="黑体"/>
+                <a:cs typeface="黑体"/>
+              </a:rPr>
+              <a:t>7%</a:t>
+            </a:r>
+            <a:r>
+              <a:rPr kumimoji="1" lang="zh-CN" altLang="en-US" dirty="0" smtClean="0">
+                <a:latin typeface="黑体"/>
+                <a:ea typeface="黑体"/>
+                <a:cs typeface="黑体"/>
+              </a:rPr>
+              <a:t>。</a:t>
+            </a:r>
+            <a:endParaRPr kumimoji="1" lang="zh-CN" altLang="en-US" dirty="0" smtClean="0"/>
+          </a:p>
+          <a:p>
+            <a:pPr marL="285750" indent="-285750">
+              <a:buFont typeface="Arial"/>
+              <a:buChar char="•"/>
+            </a:pPr>
+            <a:endParaRPr kumimoji="1" lang="en-US" altLang="zh-CN" dirty="0" smtClean="0"/>
+          </a:p>
+          <a:p>
+            <a:pPr marL="285750" indent="-285750">
+              <a:buFont typeface="Arial"/>
+              <a:buChar char="•"/>
+            </a:pPr>
+            <a:endParaRPr kumimoji="1" lang="en-US" altLang="zh-CN" dirty="0" smtClean="0"/>
+          </a:p>
+          <a:p>
+            <a:pPr marL="285750" indent="-285750">
+              <a:buFont typeface="Arial"/>
+              <a:buChar char="•"/>
+            </a:pPr>
+            <a:r>
+              <a:rPr kumimoji="1" lang="en-US" altLang="zh-CN" dirty="0" err="1" smtClean="0"/>
+              <a:t>MyRocks</a:t>
+            </a:r>
+            <a:r>
+              <a:rPr kumimoji="1" lang="zh-CN" altLang="en-US" dirty="0" smtClean="0"/>
+              <a:t>主要的问题</a:t>
+            </a:r>
+          </a:p>
+          <a:p>
+            <a:pPr marL="800100" lvl="1" indent="-342900">
+              <a:buFont typeface="Arial"/>
+              <a:buChar char="•"/>
+            </a:pPr>
+            <a:r>
+              <a:rPr kumimoji="1" lang="zh-CN" altLang="en-US" dirty="0" smtClean="0"/>
+              <a:t>读性能相比</a:t>
+            </a:r>
+            <a:r>
+              <a:rPr kumimoji="1" lang="en-US" altLang="zh-CN" dirty="0" err="1" smtClean="0"/>
+              <a:t>innodb</a:t>
+            </a:r>
+            <a:r>
+              <a:rPr kumimoji="1" lang="zh-CN" altLang="en-US" dirty="0" smtClean="0"/>
+              <a:t>，下降明显。</a:t>
+            </a:r>
+            <a:endParaRPr kumimoji="1" lang="en-US" altLang="zh-CN" dirty="0" smtClean="0"/>
+          </a:p>
+          <a:p>
+            <a:pPr marL="800100" lvl="1" indent="-342900">
+              <a:buFont typeface="Arial"/>
+              <a:buChar char="•"/>
+            </a:pPr>
+            <a:r>
+              <a:rPr kumimoji="1" lang="zh-CN" altLang="en-US" dirty="0" smtClean="0"/>
+              <a:t>在线</a:t>
+            </a:r>
+            <a:r>
+              <a:rPr kumimoji="1" lang="en-US" altLang="zh-CN" dirty="0" smtClean="0"/>
+              <a:t>DDL</a:t>
+            </a:r>
+            <a:r>
+              <a:rPr kumimoji="1" lang="zh-CN" altLang="en-US" dirty="0" smtClean="0"/>
+              <a:t>修改（</a:t>
+            </a:r>
+            <a:r>
+              <a:rPr kumimoji="1" lang="en-US" altLang="zh-CN" dirty="0" smtClean="0"/>
+              <a:t>2017</a:t>
+            </a:r>
+            <a:r>
+              <a:rPr kumimoji="1" lang="zh-CN" altLang="en-US" dirty="0" smtClean="0"/>
+              <a:t>年）</a:t>
+            </a:r>
+          </a:p>
+          <a:p>
+            <a:pPr marL="800100" lvl="1" indent="-342900">
+              <a:buFont typeface="Arial"/>
+              <a:buChar char="•"/>
+            </a:pPr>
+            <a:r>
+              <a:rPr kumimoji="1" lang="zh-CN" altLang="en-US" dirty="0" smtClean="0"/>
+              <a:t>在</a:t>
+            </a:r>
+            <a:r>
+              <a:rPr kumimoji="1" lang="en-US" altLang="zh-CN" dirty="0" smtClean="0"/>
+              <a:t>SQL</a:t>
+            </a:r>
+            <a:r>
+              <a:rPr kumimoji="1" lang="zh-CN" altLang="en-US" dirty="0" smtClean="0"/>
+              <a:t>复杂的场景下对</a:t>
+            </a:r>
+            <a:r>
+              <a:rPr kumimoji="1" lang="en-US" altLang="zh-CN" dirty="0" err="1" smtClean="0"/>
+              <a:t>MyRocks</a:t>
+            </a:r>
+            <a:r>
+              <a:rPr kumimoji="1" lang="zh-CN" altLang="en-US" dirty="0" smtClean="0"/>
+              <a:t>还没有足够信心。</a:t>
+            </a:r>
+            <a:endParaRPr kumimoji="1" lang="en-US" altLang="zh-CN" dirty="0" smtClean="0"/>
+          </a:p>
+          <a:p>
             <a:endParaRPr kumimoji="1" lang="zh-CN" altLang="en-US" dirty="0"/>
           </a:p>
         </p:txBody>
@@ -7025,7 +7233,7 @@
           <a:p>
             <a:fld id="{D3CD7B7D-ADC6-5142-8B19-B354120EC6DE}" type="slidenum">
               <a:rPr kumimoji="1" lang="zh-CN" altLang="en-US" smtClean="0"/>
-              <a:t>15</a:t>
+              <a:t>14</a:t>
             </a:fld>
             <a:endParaRPr kumimoji="1" lang="zh-CN" altLang="en-US"/>
           </a:p>
@@ -7034,7 +7242,7 @@
     </p:spTree>
     <p:extLst>
       <p:ext uri="{BB962C8B-B14F-4D97-AF65-F5344CB8AC3E}">
-        <p14:creationId xmlns:p14="http://schemas.microsoft.com/office/powerpoint/2010/main" val="1603160328"/>
+        <p14:creationId xmlns:p14="http://schemas.microsoft.com/office/powerpoint/2010/main" val="826024312"/>
       </p:ext>
     </p:extLst>
   </p:cSld>
@@ -7088,440 +7296,6 @@
           <a:bodyPr/>
           <a:lstStyle/>
           <a:p>
-            <a:pPr marL="285750" indent="-285750">
-              <a:buFont typeface="Arial"/>
-              <a:buChar char="•"/>
-            </a:pPr>
-            <a:r>
-              <a:rPr kumimoji="1" lang="en-US" altLang="zh-CN" dirty="0" smtClean="0">
-                <a:solidFill>
-                  <a:srgbClr val="3366FF"/>
-                </a:solidFill>
-                <a:latin typeface="黑体"/>
-                <a:ea typeface="黑体"/>
-                <a:cs typeface="黑体"/>
-              </a:rPr>
-              <a:t>Innodb</a:t>
-            </a:r>
-            <a:r>
-              <a:rPr kumimoji="1" lang="zh-CN" altLang="en-US" dirty="0" smtClean="0">
-                <a:solidFill>
-                  <a:srgbClr val="3366FF"/>
-                </a:solidFill>
-                <a:latin typeface="黑体"/>
-                <a:ea typeface="黑体"/>
-                <a:cs typeface="黑体"/>
-              </a:rPr>
-              <a:t>的压缩受到页对齐影响，理论上线不会超过</a:t>
-            </a:r>
-            <a:r>
-              <a:rPr kumimoji="1" lang="en-US" altLang="zh-CN" dirty="0" smtClean="0">
-                <a:solidFill>
-                  <a:srgbClr val="3366FF"/>
-                </a:solidFill>
-                <a:latin typeface="黑体"/>
-                <a:ea typeface="黑体"/>
-                <a:cs typeface="黑体"/>
-              </a:rPr>
-              <a:t>50%</a:t>
-            </a:r>
-            <a:r>
-              <a:rPr kumimoji="1" lang="zh-CN" altLang="en-US" dirty="0" smtClean="0">
-                <a:solidFill>
-                  <a:srgbClr val="3366FF"/>
-                </a:solidFill>
-                <a:latin typeface="黑体"/>
-                <a:ea typeface="黑体"/>
-                <a:cs typeface="黑体"/>
-              </a:rPr>
-              <a:t>。</a:t>
-            </a:r>
-            <a:endParaRPr kumimoji="1" lang="en-US" altLang="zh-CN" dirty="0" smtClean="0">
-              <a:solidFill>
-                <a:srgbClr val="3366FF"/>
-              </a:solidFill>
-              <a:latin typeface="黑体"/>
-              <a:ea typeface="黑体"/>
-              <a:cs typeface="黑体"/>
-            </a:endParaRPr>
-          </a:p>
-          <a:p>
-            <a:pPr marL="285750" indent="-285750">
-              <a:buFont typeface="Arial"/>
-              <a:buChar char="•"/>
-            </a:pPr>
-            <a:r>
-              <a:rPr kumimoji="1" lang="en-US" altLang="zh-CN" dirty="0" err="1" smtClean="0">
-                <a:latin typeface="黑体"/>
-                <a:ea typeface="黑体"/>
-                <a:cs typeface="黑体"/>
-              </a:rPr>
-              <a:t>innodb</a:t>
-            </a:r>
-            <a:r>
-              <a:rPr kumimoji="1" lang="zh-CN" altLang="en-US" dirty="0" smtClean="0">
-                <a:latin typeface="黑体"/>
-                <a:ea typeface="黑体"/>
-                <a:cs typeface="黑体"/>
-              </a:rPr>
-              <a:t>引擎的压缩率接近</a:t>
-            </a:r>
-            <a:r>
-              <a:rPr kumimoji="1" lang="en-US" altLang="zh-CN" dirty="0" smtClean="0">
-                <a:latin typeface="黑体"/>
-                <a:ea typeface="黑体"/>
-                <a:cs typeface="黑体"/>
-              </a:rPr>
-              <a:t>59.5%</a:t>
-            </a:r>
-            <a:r>
-              <a:rPr kumimoji="1" lang="zh-CN" altLang="en-US" dirty="0" smtClean="0">
-                <a:latin typeface="黑体"/>
-                <a:ea typeface="黑体"/>
-                <a:cs typeface="黑体"/>
-              </a:rPr>
-              <a:t>，</a:t>
-            </a:r>
-            <a:r>
-              <a:rPr kumimoji="1" lang="en-US" altLang="zh-CN" dirty="0" err="1" smtClean="0">
-                <a:latin typeface="黑体"/>
-                <a:ea typeface="黑体"/>
-                <a:cs typeface="黑体"/>
-              </a:rPr>
-              <a:t>tokudb</a:t>
-            </a:r>
-            <a:r>
-              <a:rPr kumimoji="1" lang="zh-CN" altLang="en-US" dirty="0" smtClean="0">
-                <a:latin typeface="黑体"/>
-                <a:ea typeface="黑体"/>
-                <a:cs typeface="黑体"/>
-              </a:rPr>
-              <a:t>引擎压缩率可达到</a:t>
-            </a:r>
-            <a:r>
-              <a:rPr kumimoji="1" lang="en-US" altLang="zh-CN" dirty="0" smtClean="0">
-                <a:latin typeface="黑体"/>
-                <a:ea typeface="黑体"/>
-                <a:cs typeface="黑体"/>
-              </a:rPr>
-              <a:t>34.5% </a:t>
-            </a:r>
-          </a:p>
-          <a:p>
-            <a:pPr marL="285750" indent="-285750">
-              <a:buFont typeface="Arial"/>
-              <a:buChar char="•"/>
-            </a:pPr>
-            <a:r>
-              <a:rPr kumimoji="1" lang="en-US" altLang="zh-CN" dirty="0" err="1" smtClean="0">
-                <a:latin typeface="黑体"/>
-                <a:ea typeface="黑体"/>
-                <a:cs typeface="黑体"/>
-              </a:rPr>
-              <a:t>tokudb_lzma</a:t>
-            </a:r>
-            <a:r>
-              <a:rPr kumimoji="1" lang="zh-CN" altLang="en-US" dirty="0" smtClean="0">
-                <a:latin typeface="黑体"/>
-                <a:ea typeface="黑体"/>
-                <a:cs typeface="黑体"/>
-              </a:rPr>
-              <a:t>压缩算法压缩率最高，但同时导致批量写入性能降低</a:t>
-            </a:r>
-            <a:r>
-              <a:rPr kumimoji="1" lang="en-US" altLang="zh-CN" dirty="0" smtClean="0">
-                <a:latin typeface="黑体"/>
-                <a:ea typeface="黑体"/>
-                <a:cs typeface="黑体"/>
-              </a:rPr>
-              <a:t>27%</a:t>
-            </a:r>
-            <a:r>
-              <a:rPr kumimoji="1" lang="zh-CN" altLang="en-US" dirty="0" smtClean="0">
-                <a:latin typeface="黑体"/>
-                <a:ea typeface="黑体"/>
-                <a:cs typeface="黑体"/>
-              </a:rPr>
-              <a:t>，</a:t>
-            </a:r>
-            <a:r>
-              <a:rPr kumimoji="1" lang="en-US" altLang="zh-CN" dirty="0" smtClean="0">
-                <a:latin typeface="黑体"/>
-                <a:ea typeface="黑体"/>
-                <a:cs typeface="黑体"/>
-              </a:rPr>
-              <a:t>CPU</a:t>
-            </a:r>
-            <a:r>
-              <a:rPr kumimoji="1" lang="zh-CN" altLang="en-US" dirty="0" smtClean="0">
-                <a:latin typeface="黑体"/>
-                <a:ea typeface="黑体"/>
-                <a:cs typeface="黑体"/>
-              </a:rPr>
-              <a:t>消耗严重</a:t>
-            </a:r>
-            <a:endParaRPr kumimoji="1" lang="en-US" altLang="zh-CN" dirty="0" smtClean="0">
-              <a:latin typeface="黑体"/>
-              <a:ea typeface="黑体"/>
-              <a:cs typeface="黑体"/>
-            </a:endParaRPr>
-          </a:p>
-          <a:p>
-            <a:pPr marL="285750" indent="-285750">
-              <a:buFont typeface="Arial"/>
-              <a:buChar char="•"/>
-            </a:pPr>
-            <a:r>
-              <a:rPr kumimoji="1" lang="zh-CN" altLang="en-US" dirty="0" smtClean="0">
-                <a:latin typeface="黑体"/>
-                <a:ea typeface="黑体"/>
-                <a:cs typeface="黑体"/>
-              </a:rPr>
-              <a:t>采用</a:t>
-            </a:r>
-            <a:r>
-              <a:rPr kumimoji="1" lang="en-US" altLang="zh-CN" dirty="0" err="1" smtClean="0">
-                <a:latin typeface="黑体"/>
-                <a:ea typeface="黑体"/>
-                <a:cs typeface="黑体"/>
-              </a:rPr>
-              <a:t>tokudb</a:t>
-            </a:r>
-            <a:r>
-              <a:rPr kumimoji="1" lang="zh-CN" altLang="en-US" dirty="0" smtClean="0">
-                <a:latin typeface="黑体"/>
-                <a:ea typeface="黑体"/>
-                <a:cs typeface="黑体"/>
-              </a:rPr>
-              <a:t>引擎</a:t>
-            </a:r>
-            <a:r>
-              <a:rPr kumimoji="1" lang="en-US" altLang="zh-CN" dirty="0" err="1" smtClean="0">
-                <a:latin typeface="黑体"/>
-                <a:ea typeface="黑体"/>
-                <a:cs typeface="黑体"/>
-              </a:rPr>
-              <a:t>zlib,</a:t>
-            </a:r>
-            <a:r>
-              <a:rPr kumimoji="1" lang="en-US" altLang="zh-CN" dirty="0" err="1" smtClean="0">
-                <a:solidFill>
-                  <a:srgbClr val="FF0000"/>
-                </a:solidFill>
-                <a:latin typeface="黑体"/>
-                <a:ea typeface="黑体"/>
-                <a:cs typeface="黑体"/>
-              </a:rPr>
-              <a:t>quicklz</a:t>
-            </a:r>
-            <a:r>
-              <a:rPr kumimoji="1" lang="zh-CN" altLang="en-US" dirty="0" smtClean="0">
-                <a:latin typeface="黑体"/>
-                <a:ea typeface="黑体"/>
-                <a:cs typeface="黑体"/>
-              </a:rPr>
-              <a:t>压缩算法批量写入性能比</a:t>
-            </a:r>
-            <a:r>
-              <a:rPr kumimoji="1" lang="en-US" altLang="zh-CN" dirty="0" smtClean="0">
-                <a:latin typeface="黑体"/>
-                <a:ea typeface="黑体"/>
-                <a:cs typeface="黑体"/>
-              </a:rPr>
-              <a:t>Innodb</a:t>
-            </a:r>
-            <a:r>
-              <a:rPr kumimoji="1" lang="zh-CN" altLang="en-US" dirty="0" smtClean="0">
-                <a:latin typeface="黑体"/>
-                <a:ea typeface="黑体"/>
-                <a:cs typeface="黑体"/>
-              </a:rPr>
-              <a:t>提升</a:t>
-            </a:r>
-            <a:r>
-              <a:rPr kumimoji="1" lang="en-US" altLang="zh-CN" dirty="0" smtClean="0">
-                <a:latin typeface="黑体"/>
-                <a:ea typeface="黑体"/>
-                <a:cs typeface="黑体"/>
-              </a:rPr>
-              <a:t>15+% </a:t>
-            </a:r>
-          </a:p>
-          <a:p>
-            <a:pPr marL="285750" indent="-285750">
-              <a:buFont typeface="Arial"/>
-              <a:buChar char="•"/>
-            </a:pPr>
-            <a:r>
-              <a:rPr kumimoji="1" lang="en-US" altLang="zh-CN" dirty="0" err="1" smtClean="0">
-                <a:solidFill>
-                  <a:srgbClr val="FF0000"/>
-                </a:solidFill>
-                <a:latin typeface="黑体"/>
-                <a:ea typeface="黑体"/>
-                <a:cs typeface="黑体"/>
-              </a:rPr>
-              <a:t>Tokudb_ZSTD</a:t>
-            </a:r>
-            <a:r>
-              <a:rPr kumimoji="1" lang="en-US" altLang="en-US" dirty="0" err="1" smtClean="0">
-                <a:latin typeface="黑体"/>
-                <a:ea typeface="黑体"/>
-                <a:cs typeface="黑体"/>
-              </a:rPr>
-              <a:t>算法压缩率比</a:t>
-            </a:r>
-            <a:r>
-              <a:rPr kumimoji="1" lang="en-US" altLang="zh-CN" dirty="0" err="1" smtClean="0">
-                <a:latin typeface="黑体"/>
-                <a:ea typeface="黑体"/>
-                <a:cs typeface="黑体"/>
-              </a:rPr>
-              <a:t>tokudb_quicklz</a:t>
-            </a:r>
-            <a:r>
-              <a:rPr kumimoji="1" lang="zh-CN" altLang="en-US" dirty="0" smtClean="0">
-                <a:latin typeface="黑体"/>
-                <a:ea typeface="黑体"/>
-                <a:cs typeface="黑体"/>
-              </a:rPr>
-              <a:t>压缩率提升</a:t>
-            </a:r>
-            <a:r>
-              <a:rPr kumimoji="1" lang="en-US" altLang="zh-CN" dirty="0" smtClean="0">
-                <a:latin typeface="黑体"/>
-                <a:ea typeface="黑体"/>
-                <a:cs typeface="黑体"/>
-              </a:rPr>
-              <a:t>17.5%</a:t>
-            </a:r>
-            <a:r>
-              <a:rPr kumimoji="1" lang="zh-CN" altLang="en-US" dirty="0" smtClean="0">
-                <a:latin typeface="黑体"/>
-                <a:ea typeface="黑体"/>
-                <a:cs typeface="黑体"/>
-              </a:rPr>
-              <a:t>，性能提升</a:t>
-            </a:r>
-            <a:r>
-              <a:rPr kumimoji="1" lang="en-US" altLang="zh-CN" dirty="0" smtClean="0">
-                <a:latin typeface="黑体"/>
-                <a:ea typeface="黑体"/>
-                <a:cs typeface="黑体"/>
-              </a:rPr>
-              <a:t>7%</a:t>
-            </a:r>
-            <a:r>
-              <a:rPr kumimoji="1" lang="zh-CN" altLang="en-US" dirty="0" smtClean="0">
-                <a:latin typeface="黑体"/>
-                <a:ea typeface="黑体"/>
-                <a:cs typeface="黑体"/>
-              </a:rPr>
-              <a:t>。</a:t>
-            </a:r>
-            <a:endParaRPr kumimoji="1" lang="zh-CN" altLang="en-US" dirty="0" smtClean="0"/>
-          </a:p>
-          <a:p>
-            <a:pPr marL="285750" indent="-285750">
-              <a:buFont typeface="Arial"/>
-              <a:buChar char="•"/>
-            </a:pPr>
-            <a:endParaRPr kumimoji="1" lang="en-US" altLang="zh-CN" dirty="0" smtClean="0"/>
-          </a:p>
-          <a:p>
-            <a:pPr marL="285750" indent="-285750">
-              <a:buFont typeface="Arial"/>
-              <a:buChar char="•"/>
-            </a:pPr>
-            <a:endParaRPr kumimoji="1" lang="en-US" altLang="zh-CN" dirty="0" smtClean="0"/>
-          </a:p>
-          <a:p>
-            <a:pPr marL="285750" indent="-285750">
-              <a:buFont typeface="Arial"/>
-              <a:buChar char="•"/>
-            </a:pPr>
-            <a:r>
-              <a:rPr kumimoji="1" lang="en-US" altLang="zh-CN" dirty="0" err="1" smtClean="0"/>
-              <a:t>MyRocks</a:t>
-            </a:r>
-            <a:r>
-              <a:rPr kumimoji="1" lang="zh-CN" altLang="en-US" dirty="0" smtClean="0"/>
-              <a:t>主要的问题</a:t>
-            </a:r>
-          </a:p>
-          <a:p>
-            <a:pPr marL="800100" lvl="1" indent="-342900">
-              <a:buFont typeface="Arial"/>
-              <a:buChar char="•"/>
-            </a:pPr>
-            <a:r>
-              <a:rPr kumimoji="1" lang="zh-CN" altLang="en-US" dirty="0" smtClean="0"/>
-              <a:t>读性能相比</a:t>
-            </a:r>
-            <a:r>
-              <a:rPr kumimoji="1" lang="en-US" altLang="zh-CN" dirty="0" err="1" smtClean="0"/>
-              <a:t>innodb</a:t>
-            </a:r>
-            <a:r>
-              <a:rPr kumimoji="1" lang="zh-CN" altLang="en-US" dirty="0" smtClean="0"/>
-              <a:t>，下降明显。</a:t>
-            </a:r>
-            <a:endParaRPr kumimoji="1" lang="en-US" altLang="zh-CN" dirty="0" smtClean="0"/>
-          </a:p>
-          <a:p>
-            <a:pPr marL="800100" lvl="1" indent="-342900">
-              <a:buFont typeface="Arial"/>
-              <a:buChar char="•"/>
-            </a:pPr>
-            <a:r>
-              <a:rPr kumimoji="1" lang="zh-CN" altLang="en-US" dirty="0" smtClean="0"/>
-              <a:t>在线</a:t>
-            </a:r>
-            <a:r>
-              <a:rPr kumimoji="1" lang="en-US" altLang="zh-CN" dirty="0" smtClean="0"/>
-              <a:t>DDL</a:t>
-            </a:r>
-            <a:r>
-              <a:rPr kumimoji="1" lang="zh-CN" altLang="en-US" dirty="0" smtClean="0"/>
-              <a:t>修改（</a:t>
-            </a:r>
-            <a:r>
-              <a:rPr kumimoji="1" lang="en-US" altLang="zh-CN" dirty="0" smtClean="0"/>
-              <a:t>2017</a:t>
-            </a:r>
-            <a:r>
-              <a:rPr kumimoji="1" lang="zh-CN" altLang="en-US" dirty="0" smtClean="0"/>
-              <a:t>年）</a:t>
-            </a:r>
-          </a:p>
-          <a:p>
-            <a:pPr marL="800100" lvl="1" indent="-342900">
-              <a:buFont typeface="Arial"/>
-              <a:buChar char="•"/>
-            </a:pPr>
-            <a:r>
-              <a:rPr kumimoji="1" lang="zh-CN" altLang="en-US" dirty="0" smtClean="0"/>
-              <a:t>在</a:t>
-            </a:r>
-            <a:r>
-              <a:rPr kumimoji="1" lang="en-US" altLang="zh-CN" dirty="0" smtClean="0"/>
-              <a:t>SQL</a:t>
-            </a:r>
-            <a:r>
-              <a:rPr kumimoji="1" lang="zh-CN" altLang="en-US" dirty="0" smtClean="0"/>
-              <a:t>复杂的场景下对</a:t>
-            </a:r>
-            <a:r>
-              <a:rPr kumimoji="1" lang="en-US" altLang="zh-CN" dirty="0" err="1" smtClean="0"/>
-              <a:t>MyRocks</a:t>
-            </a:r>
-            <a:r>
-              <a:rPr kumimoji="1" lang="zh-CN" altLang="en-US" dirty="0" smtClean="0"/>
-              <a:t>还没有足够信心。</a:t>
-            </a:r>
-            <a:endParaRPr kumimoji="1" lang="en-US" altLang="zh-CN" dirty="0" smtClean="0"/>
-          </a:p>
-          <a:p>
             <a:endParaRPr kumimoji="1" lang="zh-CN" altLang="en-US" dirty="0"/>
           </a:p>
         </p:txBody>
@@ -7552,7 +7326,7 @@
     </p:spTree>
     <p:extLst>
       <p:ext uri="{BB962C8B-B14F-4D97-AF65-F5344CB8AC3E}">
-        <p14:creationId xmlns:p14="http://schemas.microsoft.com/office/powerpoint/2010/main" val="826024312"/>
+        <p14:creationId xmlns:p14="http://schemas.microsoft.com/office/powerpoint/2010/main" val="1603160328"/>
       </p:ext>
     </p:extLst>
   </p:cSld>
@@ -7606,6 +7380,440 @@
           <a:bodyPr/>
           <a:lstStyle/>
           <a:p>
+            <a:pPr marL="285750" indent="-285750">
+              <a:buFont typeface="Arial"/>
+              <a:buChar char="•"/>
+            </a:pPr>
+            <a:r>
+              <a:rPr kumimoji="1" lang="en-US" altLang="zh-CN" dirty="0" smtClean="0">
+                <a:solidFill>
+                  <a:srgbClr val="3366FF"/>
+                </a:solidFill>
+                <a:latin typeface="黑体"/>
+                <a:ea typeface="黑体"/>
+                <a:cs typeface="黑体"/>
+              </a:rPr>
+              <a:t>Innodb</a:t>
+            </a:r>
+            <a:r>
+              <a:rPr kumimoji="1" lang="zh-CN" altLang="en-US" dirty="0" smtClean="0">
+                <a:solidFill>
+                  <a:srgbClr val="3366FF"/>
+                </a:solidFill>
+                <a:latin typeface="黑体"/>
+                <a:ea typeface="黑体"/>
+                <a:cs typeface="黑体"/>
+              </a:rPr>
+              <a:t>的压缩受到页对齐影响，理论上线不会超过</a:t>
+            </a:r>
+            <a:r>
+              <a:rPr kumimoji="1" lang="en-US" altLang="zh-CN" dirty="0" smtClean="0">
+                <a:solidFill>
+                  <a:srgbClr val="3366FF"/>
+                </a:solidFill>
+                <a:latin typeface="黑体"/>
+                <a:ea typeface="黑体"/>
+                <a:cs typeface="黑体"/>
+              </a:rPr>
+              <a:t>50%</a:t>
+            </a:r>
+            <a:r>
+              <a:rPr kumimoji="1" lang="zh-CN" altLang="en-US" dirty="0" smtClean="0">
+                <a:solidFill>
+                  <a:srgbClr val="3366FF"/>
+                </a:solidFill>
+                <a:latin typeface="黑体"/>
+                <a:ea typeface="黑体"/>
+                <a:cs typeface="黑体"/>
+              </a:rPr>
+              <a:t>。</a:t>
+            </a:r>
+            <a:endParaRPr kumimoji="1" lang="en-US" altLang="zh-CN" dirty="0" smtClean="0">
+              <a:solidFill>
+                <a:srgbClr val="3366FF"/>
+              </a:solidFill>
+              <a:latin typeface="黑体"/>
+              <a:ea typeface="黑体"/>
+              <a:cs typeface="黑体"/>
+            </a:endParaRPr>
+          </a:p>
+          <a:p>
+            <a:pPr marL="285750" indent="-285750">
+              <a:buFont typeface="Arial"/>
+              <a:buChar char="•"/>
+            </a:pPr>
+            <a:r>
+              <a:rPr kumimoji="1" lang="en-US" altLang="zh-CN" dirty="0" err="1" smtClean="0">
+                <a:latin typeface="黑体"/>
+                <a:ea typeface="黑体"/>
+                <a:cs typeface="黑体"/>
+              </a:rPr>
+              <a:t>innodb</a:t>
+            </a:r>
+            <a:r>
+              <a:rPr kumimoji="1" lang="zh-CN" altLang="en-US" dirty="0" smtClean="0">
+                <a:latin typeface="黑体"/>
+                <a:ea typeface="黑体"/>
+                <a:cs typeface="黑体"/>
+              </a:rPr>
+              <a:t>引擎的压缩率接近</a:t>
+            </a:r>
+            <a:r>
+              <a:rPr kumimoji="1" lang="en-US" altLang="zh-CN" dirty="0" smtClean="0">
+                <a:latin typeface="黑体"/>
+                <a:ea typeface="黑体"/>
+                <a:cs typeface="黑体"/>
+              </a:rPr>
+              <a:t>59.5%</a:t>
+            </a:r>
+            <a:r>
+              <a:rPr kumimoji="1" lang="zh-CN" altLang="en-US" dirty="0" smtClean="0">
+                <a:latin typeface="黑体"/>
+                <a:ea typeface="黑体"/>
+                <a:cs typeface="黑体"/>
+              </a:rPr>
+              <a:t>，</a:t>
+            </a:r>
+            <a:r>
+              <a:rPr kumimoji="1" lang="en-US" altLang="zh-CN" dirty="0" err="1" smtClean="0">
+                <a:latin typeface="黑体"/>
+                <a:ea typeface="黑体"/>
+                <a:cs typeface="黑体"/>
+              </a:rPr>
+              <a:t>tokudb</a:t>
+            </a:r>
+            <a:r>
+              <a:rPr kumimoji="1" lang="zh-CN" altLang="en-US" dirty="0" smtClean="0">
+                <a:latin typeface="黑体"/>
+                <a:ea typeface="黑体"/>
+                <a:cs typeface="黑体"/>
+              </a:rPr>
+              <a:t>引擎压缩率可达到</a:t>
+            </a:r>
+            <a:r>
+              <a:rPr kumimoji="1" lang="en-US" altLang="zh-CN" dirty="0" smtClean="0">
+                <a:latin typeface="黑体"/>
+                <a:ea typeface="黑体"/>
+                <a:cs typeface="黑体"/>
+              </a:rPr>
+              <a:t>34.5% </a:t>
+            </a:r>
+          </a:p>
+          <a:p>
+            <a:pPr marL="285750" indent="-285750">
+              <a:buFont typeface="Arial"/>
+              <a:buChar char="•"/>
+            </a:pPr>
+            <a:r>
+              <a:rPr kumimoji="1" lang="en-US" altLang="zh-CN" dirty="0" err="1" smtClean="0">
+                <a:latin typeface="黑体"/>
+                <a:ea typeface="黑体"/>
+                <a:cs typeface="黑体"/>
+              </a:rPr>
+              <a:t>tokudb_lzma</a:t>
+            </a:r>
+            <a:r>
+              <a:rPr kumimoji="1" lang="zh-CN" altLang="en-US" dirty="0" smtClean="0">
+                <a:latin typeface="黑体"/>
+                <a:ea typeface="黑体"/>
+                <a:cs typeface="黑体"/>
+              </a:rPr>
+              <a:t>压缩算法压缩率最高，但同时导致批量写入性能降低</a:t>
+            </a:r>
+            <a:r>
+              <a:rPr kumimoji="1" lang="en-US" altLang="zh-CN" dirty="0" smtClean="0">
+                <a:latin typeface="黑体"/>
+                <a:ea typeface="黑体"/>
+                <a:cs typeface="黑体"/>
+              </a:rPr>
+              <a:t>27%</a:t>
+            </a:r>
+            <a:r>
+              <a:rPr kumimoji="1" lang="zh-CN" altLang="en-US" dirty="0" smtClean="0">
+                <a:latin typeface="黑体"/>
+                <a:ea typeface="黑体"/>
+                <a:cs typeface="黑体"/>
+              </a:rPr>
+              <a:t>，</a:t>
+            </a:r>
+            <a:r>
+              <a:rPr kumimoji="1" lang="en-US" altLang="zh-CN" dirty="0" smtClean="0">
+                <a:latin typeface="黑体"/>
+                <a:ea typeface="黑体"/>
+                <a:cs typeface="黑体"/>
+              </a:rPr>
+              <a:t>CPU</a:t>
+            </a:r>
+            <a:r>
+              <a:rPr kumimoji="1" lang="zh-CN" altLang="en-US" dirty="0" smtClean="0">
+                <a:latin typeface="黑体"/>
+                <a:ea typeface="黑体"/>
+                <a:cs typeface="黑体"/>
+              </a:rPr>
+              <a:t>消耗严重</a:t>
+            </a:r>
+            <a:endParaRPr kumimoji="1" lang="en-US" altLang="zh-CN" dirty="0" smtClean="0">
+              <a:latin typeface="黑体"/>
+              <a:ea typeface="黑体"/>
+              <a:cs typeface="黑体"/>
+            </a:endParaRPr>
+          </a:p>
+          <a:p>
+            <a:pPr marL="285750" indent="-285750">
+              <a:buFont typeface="Arial"/>
+              <a:buChar char="•"/>
+            </a:pPr>
+            <a:r>
+              <a:rPr kumimoji="1" lang="zh-CN" altLang="en-US" dirty="0" smtClean="0">
+                <a:latin typeface="黑体"/>
+                <a:ea typeface="黑体"/>
+                <a:cs typeface="黑体"/>
+              </a:rPr>
+              <a:t>采用</a:t>
+            </a:r>
+            <a:r>
+              <a:rPr kumimoji="1" lang="en-US" altLang="zh-CN" dirty="0" err="1" smtClean="0">
+                <a:latin typeface="黑体"/>
+                <a:ea typeface="黑体"/>
+                <a:cs typeface="黑体"/>
+              </a:rPr>
+              <a:t>tokudb</a:t>
+            </a:r>
+            <a:r>
+              <a:rPr kumimoji="1" lang="zh-CN" altLang="en-US" dirty="0" smtClean="0">
+                <a:latin typeface="黑体"/>
+                <a:ea typeface="黑体"/>
+                <a:cs typeface="黑体"/>
+              </a:rPr>
+              <a:t>引擎</a:t>
+            </a:r>
+            <a:r>
+              <a:rPr kumimoji="1" lang="en-US" altLang="zh-CN" dirty="0" err="1" smtClean="0">
+                <a:latin typeface="黑体"/>
+                <a:ea typeface="黑体"/>
+                <a:cs typeface="黑体"/>
+              </a:rPr>
+              <a:t>zlib,</a:t>
+            </a:r>
+            <a:r>
+              <a:rPr kumimoji="1" lang="en-US" altLang="zh-CN" dirty="0" err="1" smtClean="0">
+                <a:solidFill>
+                  <a:srgbClr val="FF0000"/>
+                </a:solidFill>
+                <a:latin typeface="黑体"/>
+                <a:ea typeface="黑体"/>
+                <a:cs typeface="黑体"/>
+              </a:rPr>
+              <a:t>quicklz</a:t>
+            </a:r>
+            <a:r>
+              <a:rPr kumimoji="1" lang="zh-CN" altLang="en-US" dirty="0" smtClean="0">
+                <a:latin typeface="黑体"/>
+                <a:ea typeface="黑体"/>
+                <a:cs typeface="黑体"/>
+              </a:rPr>
+              <a:t>压缩算法批量写入性能比</a:t>
+            </a:r>
+            <a:r>
+              <a:rPr kumimoji="1" lang="en-US" altLang="zh-CN" dirty="0" smtClean="0">
+                <a:latin typeface="黑体"/>
+                <a:ea typeface="黑体"/>
+                <a:cs typeface="黑体"/>
+              </a:rPr>
+              <a:t>Innodb</a:t>
+            </a:r>
+            <a:r>
+              <a:rPr kumimoji="1" lang="zh-CN" altLang="en-US" dirty="0" smtClean="0">
+                <a:latin typeface="黑体"/>
+                <a:ea typeface="黑体"/>
+                <a:cs typeface="黑体"/>
+              </a:rPr>
+              <a:t>提升</a:t>
+            </a:r>
+            <a:r>
+              <a:rPr kumimoji="1" lang="en-US" altLang="zh-CN" dirty="0" smtClean="0">
+                <a:latin typeface="黑体"/>
+                <a:ea typeface="黑体"/>
+                <a:cs typeface="黑体"/>
+              </a:rPr>
+              <a:t>15+% </a:t>
+            </a:r>
+          </a:p>
+          <a:p>
+            <a:pPr marL="285750" indent="-285750">
+              <a:buFont typeface="Arial"/>
+              <a:buChar char="•"/>
+            </a:pPr>
+            <a:r>
+              <a:rPr kumimoji="1" lang="en-US" altLang="zh-CN" dirty="0" err="1" smtClean="0">
+                <a:solidFill>
+                  <a:srgbClr val="FF0000"/>
+                </a:solidFill>
+                <a:latin typeface="黑体"/>
+                <a:ea typeface="黑体"/>
+                <a:cs typeface="黑体"/>
+              </a:rPr>
+              <a:t>Tokudb_ZSTD</a:t>
+            </a:r>
+            <a:r>
+              <a:rPr kumimoji="1" lang="en-US" altLang="en-US" dirty="0" err="1" smtClean="0">
+                <a:latin typeface="黑体"/>
+                <a:ea typeface="黑体"/>
+                <a:cs typeface="黑体"/>
+              </a:rPr>
+              <a:t>算法压缩率比</a:t>
+            </a:r>
+            <a:r>
+              <a:rPr kumimoji="1" lang="en-US" altLang="zh-CN" dirty="0" err="1" smtClean="0">
+                <a:latin typeface="黑体"/>
+                <a:ea typeface="黑体"/>
+                <a:cs typeface="黑体"/>
+              </a:rPr>
+              <a:t>tokudb_quicklz</a:t>
+            </a:r>
+            <a:r>
+              <a:rPr kumimoji="1" lang="zh-CN" altLang="en-US" dirty="0" smtClean="0">
+                <a:latin typeface="黑体"/>
+                <a:ea typeface="黑体"/>
+                <a:cs typeface="黑体"/>
+              </a:rPr>
+              <a:t>压缩率提升</a:t>
+            </a:r>
+            <a:r>
+              <a:rPr kumimoji="1" lang="en-US" altLang="zh-CN" dirty="0" smtClean="0">
+                <a:latin typeface="黑体"/>
+                <a:ea typeface="黑体"/>
+                <a:cs typeface="黑体"/>
+              </a:rPr>
+              <a:t>17.5%</a:t>
+            </a:r>
+            <a:r>
+              <a:rPr kumimoji="1" lang="zh-CN" altLang="en-US" dirty="0" smtClean="0">
+                <a:latin typeface="黑体"/>
+                <a:ea typeface="黑体"/>
+                <a:cs typeface="黑体"/>
+              </a:rPr>
+              <a:t>，性能提升</a:t>
+            </a:r>
+            <a:r>
+              <a:rPr kumimoji="1" lang="en-US" altLang="zh-CN" dirty="0" smtClean="0">
+                <a:latin typeface="黑体"/>
+                <a:ea typeface="黑体"/>
+                <a:cs typeface="黑体"/>
+              </a:rPr>
+              <a:t>7%</a:t>
+            </a:r>
+            <a:r>
+              <a:rPr kumimoji="1" lang="zh-CN" altLang="en-US" dirty="0" smtClean="0">
+                <a:latin typeface="黑体"/>
+                <a:ea typeface="黑体"/>
+                <a:cs typeface="黑体"/>
+              </a:rPr>
+              <a:t>。</a:t>
+            </a:r>
+            <a:endParaRPr kumimoji="1" lang="zh-CN" altLang="en-US" dirty="0" smtClean="0"/>
+          </a:p>
+          <a:p>
+            <a:pPr marL="285750" indent="-285750">
+              <a:buFont typeface="Arial"/>
+              <a:buChar char="•"/>
+            </a:pPr>
+            <a:endParaRPr kumimoji="1" lang="en-US" altLang="zh-CN" dirty="0" smtClean="0"/>
+          </a:p>
+          <a:p>
+            <a:pPr marL="285750" indent="-285750">
+              <a:buFont typeface="Arial"/>
+              <a:buChar char="•"/>
+            </a:pPr>
+            <a:endParaRPr kumimoji="1" lang="en-US" altLang="zh-CN" dirty="0" smtClean="0"/>
+          </a:p>
+          <a:p>
+            <a:pPr marL="285750" indent="-285750">
+              <a:buFont typeface="Arial"/>
+              <a:buChar char="•"/>
+            </a:pPr>
+            <a:r>
+              <a:rPr kumimoji="1" lang="en-US" altLang="zh-CN" dirty="0" err="1" smtClean="0"/>
+              <a:t>MyRocks</a:t>
+            </a:r>
+            <a:r>
+              <a:rPr kumimoji="1" lang="zh-CN" altLang="en-US" dirty="0" smtClean="0"/>
+              <a:t>主要的问题</a:t>
+            </a:r>
+          </a:p>
+          <a:p>
+            <a:pPr marL="800100" lvl="1" indent="-342900">
+              <a:buFont typeface="Arial"/>
+              <a:buChar char="•"/>
+            </a:pPr>
+            <a:r>
+              <a:rPr kumimoji="1" lang="zh-CN" altLang="en-US" dirty="0" smtClean="0"/>
+              <a:t>读性能相比</a:t>
+            </a:r>
+            <a:r>
+              <a:rPr kumimoji="1" lang="en-US" altLang="zh-CN" dirty="0" err="1" smtClean="0"/>
+              <a:t>innodb</a:t>
+            </a:r>
+            <a:r>
+              <a:rPr kumimoji="1" lang="zh-CN" altLang="en-US" dirty="0" smtClean="0"/>
+              <a:t>，下降明显。</a:t>
+            </a:r>
+            <a:endParaRPr kumimoji="1" lang="en-US" altLang="zh-CN" dirty="0" smtClean="0"/>
+          </a:p>
+          <a:p>
+            <a:pPr marL="800100" lvl="1" indent="-342900">
+              <a:buFont typeface="Arial"/>
+              <a:buChar char="•"/>
+            </a:pPr>
+            <a:r>
+              <a:rPr kumimoji="1" lang="zh-CN" altLang="en-US" dirty="0" smtClean="0"/>
+              <a:t>在线</a:t>
+            </a:r>
+            <a:r>
+              <a:rPr kumimoji="1" lang="en-US" altLang="zh-CN" dirty="0" smtClean="0"/>
+              <a:t>DDL</a:t>
+            </a:r>
+            <a:r>
+              <a:rPr kumimoji="1" lang="zh-CN" altLang="en-US" dirty="0" smtClean="0"/>
+              <a:t>修改（</a:t>
+            </a:r>
+            <a:r>
+              <a:rPr kumimoji="1" lang="en-US" altLang="zh-CN" dirty="0" smtClean="0"/>
+              <a:t>2017</a:t>
+            </a:r>
+            <a:r>
+              <a:rPr kumimoji="1" lang="zh-CN" altLang="en-US" dirty="0" smtClean="0"/>
+              <a:t>年）</a:t>
+            </a:r>
+          </a:p>
+          <a:p>
+            <a:pPr marL="800100" lvl="1" indent="-342900">
+              <a:buFont typeface="Arial"/>
+              <a:buChar char="•"/>
+            </a:pPr>
+            <a:r>
+              <a:rPr kumimoji="1" lang="zh-CN" altLang="en-US" dirty="0" smtClean="0"/>
+              <a:t>在</a:t>
+            </a:r>
+            <a:r>
+              <a:rPr kumimoji="1" lang="en-US" altLang="zh-CN" dirty="0" smtClean="0"/>
+              <a:t>SQL</a:t>
+            </a:r>
+            <a:r>
+              <a:rPr kumimoji="1" lang="zh-CN" altLang="en-US" dirty="0" smtClean="0"/>
+              <a:t>复杂的场景下对</a:t>
+            </a:r>
+            <a:r>
+              <a:rPr kumimoji="1" lang="en-US" altLang="zh-CN" dirty="0" err="1" smtClean="0"/>
+              <a:t>MyRocks</a:t>
+            </a:r>
+            <a:r>
+              <a:rPr kumimoji="1" lang="zh-CN" altLang="en-US" dirty="0" smtClean="0"/>
+              <a:t>还没有足够信心。</a:t>
+            </a:r>
+            <a:endParaRPr kumimoji="1" lang="en-US" altLang="zh-CN" dirty="0" smtClean="0"/>
+          </a:p>
+          <a:p>
             <a:endParaRPr kumimoji="1" lang="zh-CN" altLang="en-US" dirty="0"/>
           </a:p>
         </p:txBody>
@@ -7627,7 +7835,7 @@
           <a:p>
             <a:fld id="{D3CD7B7D-ADC6-5142-8B19-B354120EC6DE}" type="slidenum">
               <a:rPr kumimoji="1" lang="zh-CN" altLang="en-US" smtClean="0"/>
-              <a:t>18</a:t>
+              <a:t>17</a:t>
             </a:fld>
             <a:endParaRPr kumimoji="1" lang="zh-CN" altLang="en-US"/>
           </a:p>
@@ -7636,7 +7844,7 @@
     </p:spTree>
     <p:extLst>
       <p:ext uri="{BB962C8B-B14F-4D97-AF65-F5344CB8AC3E}">
-        <p14:creationId xmlns:p14="http://schemas.microsoft.com/office/powerpoint/2010/main" val="1603160328"/>
+        <p14:creationId xmlns:p14="http://schemas.microsoft.com/office/powerpoint/2010/main" val="826024312"/>
       </p:ext>
     </p:extLst>
   </p:cSld>
@@ -9132,6 +9340,113 @@
 </file>
 
 <file path=ppt/slides/slide10.xml><?xml version="1.0" encoding="utf-8"?>
+<p:sld xmlns:a="http://schemas.openxmlformats.org/drawingml/2006/main" xmlns:r="http://schemas.openxmlformats.org/officeDocument/2006/relationships" xmlns:p="http://schemas.openxmlformats.org/presentationml/2006/main">
+  <p:cSld>
+    <p:spTree>
+      <p:nvGrpSpPr>
+        <p:cNvPr id="1" name=""/>
+        <p:cNvGrpSpPr/>
+        <p:nvPr/>
+      </p:nvGrpSpPr>
+      <p:grpSpPr>
+        <a:xfrm>
+          <a:off x="0" y="0"/>
+          <a:ext cx="0" cy="0"/>
+          <a:chOff x="0" y="0"/>
+          <a:chExt cx="0" cy="0"/>
+        </a:xfrm>
+      </p:grpSpPr>
+      <p:sp>
+        <p:nvSpPr>
+          <p:cNvPr id="2" name="标题 1"/>
+          <p:cNvSpPr>
+            <a:spLocks noGrp="1"/>
+          </p:cNvSpPr>
+          <p:nvPr>
+            <p:ph type="title"/>
+          </p:nvPr>
+        </p:nvSpPr>
+        <p:spPr>
+          <a:xfrm>
+            <a:off x="971600" y="-20538"/>
+            <a:ext cx="7848872" cy="857250"/>
+          </a:xfrm>
+        </p:spPr>
+        <p:txBody>
+          <a:bodyPr>
+            <a:normAutofit/>
+          </a:bodyPr>
+          <a:lstStyle/>
+          <a:p>
+            <a:r>
+              <a:rPr kumimoji="1" lang="zh-CN" altLang="en-US" sz="3600" dirty="0" smtClean="0">
+                <a:latin typeface="黑体"/>
+                <a:ea typeface="黑体"/>
+                <a:cs typeface="黑体"/>
+              </a:rPr>
+              <a:t>解决方案：提前</a:t>
+            </a:r>
+            <a:r>
+              <a:rPr kumimoji="1" lang="zh-CN" altLang="en-US" sz="3600" dirty="0" smtClean="0">
+                <a:latin typeface="黑体"/>
+                <a:ea typeface="黑体"/>
+                <a:cs typeface="黑体"/>
+              </a:rPr>
+              <a:t>分裂</a:t>
+            </a:r>
+            <a:endParaRPr kumimoji="1" lang="zh-CN" altLang="en-US" sz="3600" dirty="0">
+              <a:latin typeface="黑体"/>
+              <a:ea typeface="黑体"/>
+              <a:cs typeface="黑体"/>
+            </a:endParaRPr>
+          </a:p>
+        </p:txBody>
+      </p:sp>
+      <p:pic>
+        <p:nvPicPr>
+          <p:cNvPr id="3" name="图片 2"/>
+          <p:cNvPicPr>
+            <a:picLocks noChangeAspect="1"/>
+          </p:cNvPicPr>
+          <p:nvPr/>
+        </p:nvPicPr>
+        <p:blipFill>
+          <a:blip r:embed="rId3"/>
+          <a:stretch>
+            <a:fillRect/>
+          </a:stretch>
+        </p:blipFill>
+        <p:spPr>
+          <a:xfrm>
+            <a:off x="395535" y="836712"/>
+            <a:ext cx="8280921" cy="3823270"/>
+          </a:xfrm>
+          <a:prstGeom prst="rect">
+            <a:avLst/>
+          </a:prstGeom>
+        </p:spPr>
+      </p:pic>
+    </p:spTree>
+    <p:extLst>
+      <p:ext uri="{BB962C8B-B14F-4D97-AF65-F5344CB8AC3E}">
+        <p14:creationId xmlns:p14="http://schemas.microsoft.com/office/powerpoint/2010/main" val="3391796811"/>
+      </p:ext>
+    </p:extLst>
+  </p:cSld>
+  <p:clrMapOvr>
+    <a:masterClrMapping/>
+  </p:clrMapOvr>
+  <p:timing>
+    <p:tnLst>
+      <p:par>
+        <p:cTn xmlns:p14="http://schemas.microsoft.com/office/powerpoint/2010/main" id="1" dur="indefinite" restart="never" nodeType="tmRoot"/>
+      </p:par>
+    </p:tnLst>
+  </p:timing>
+</p:sld>
+</file>
+
+<file path=ppt/slides/slide11.xml><?xml version="1.0" encoding="utf-8"?>
 <p:sld xmlns:a="http://schemas.openxmlformats.org/drawingml/2006/main" xmlns:r="http://schemas.openxmlformats.org/officeDocument/2006/relationships" xmlns:p="http://schemas.openxmlformats.org/presentationml/2006/main">
   <p:cSld>
     <p:spTree>
@@ -9687,7 +10002,7 @@
 </p:sld>
 </file>
 
-<file path=ppt/slides/slide11.xml><?xml version="1.0" encoding="utf-8"?>
+<file path=ppt/slides/slide12.xml><?xml version="1.0" encoding="utf-8"?>
 <p:sld xmlns:a="http://schemas.openxmlformats.org/drawingml/2006/main" xmlns:r="http://schemas.openxmlformats.org/officeDocument/2006/relationships" xmlns:p="http://schemas.openxmlformats.org/presentationml/2006/main">
   <p:cSld>
     <p:spTree>
@@ -10108,7 +10423,7 @@
 </p:sld>
 </file>
 
-<file path=ppt/slides/slide12.xml><?xml version="1.0" encoding="utf-8"?>
+<file path=ppt/slides/slide13.xml><?xml version="1.0" encoding="utf-8"?>
 <p:sld xmlns:a="http://schemas.openxmlformats.org/drawingml/2006/main" xmlns:r="http://schemas.openxmlformats.org/officeDocument/2006/relationships" xmlns:p="http://schemas.openxmlformats.org/presentationml/2006/main">
   <p:cSld>
     <p:spTree>
@@ -10541,7 +10856,7 @@
 </p:sld>
 </file>
 
-<file path=ppt/slides/slide13.xml><?xml version="1.0" encoding="utf-8"?>
+<file path=ppt/slides/slide14.xml><?xml version="1.0" encoding="utf-8"?>
 <p:sld xmlns:a="http://schemas.openxmlformats.org/drawingml/2006/main" xmlns:r="http://schemas.openxmlformats.org/officeDocument/2006/relationships" xmlns:p="http://schemas.openxmlformats.org/presentationml/2006/main">
   <p:cSld>
     <p:spTree>
@@ -11125,7 +11440,7 @@
 </p:sld>
 </file>
 
-<file path=ppt/slides/slide14.xml><?xml version="1.0" encoding="utf-8"?>
+<file path=ppt/slides/slide15.xml><?xml version="1.0" encoding="utf-8"?>
 <p:sld xmlns:a="http://schemas.openxmlformats.org/drawingml/2006/main" xmlns:r="http://schemas.openxmlformats.org/officeDocument/2006/relationships" xmlns:p="http://schemas.openxmlformats.org/presentationml/2006/main">
   <p:cSld>
     <p:spTree>
@@ -11308,7 +11623,7 @@
 </p:sld>
 </file>
 
-<file path=ppt/slides/slide15.xml><?xml version="1.0" encoding="utf-8"?>
+<file path=ppt/slides/slide16.xml><?xml version="1.0" encoding="utf-8"?>
 <p:sld xmlns:a="http://schemas.openxmlformats.org/drawingml/2006/main" xmlns:r="http://schemas.openxmlformats.org/officeDocument/2006/relationships" xmlns:p="http://schemas.openxmlformats.org/presentationml/2006/main">
   <p:cSld>
     <p:spTree>
@@ -12670,7 +12985,7 @@
 </p:sld>
 </file>
 
-<file path=ppt/slides/slide16.xml><?xml version="1.0" encoding="utf-8"?>
+<file path=ppt/slides/slide17.xml><?xml version="1.0" encoding="utf-8"?>
 <p:sld xmlns:a="http://schemas.openxmlformats.org/drawingml/2006/main" xmlns:r="http://schemas.openxmlformats.org/officeDocument/2006/relationships" xmlns:p="http://schemas.openxmlformats.org/presentationml/2006/main">
   <p:cSld>
     <p:spTree>
@@ -12988,7 +13303,7 @@
 </p:sld>
 </file>
 
-<file path=ppt/slides/slide17.xml><?xml version="1.0" encoding="utf-8"?>
+<file path=ppt/slides/slide18.xml><?xml version="1.0" encoding="utf-8"?>
 <p:sld xmlns:a="http://schemas.openxmlformats.org/drawingml/2006/main" xmlns:r="http://schemas.openxmlformats.org/officeDocument/2006/relationships" xmlns:p="http://schemas.openxmlformats.org/presentationml/2006/main">
   <p:cSld>
     <p:spTree>
@@ -14438,7 +14753,7 @@
 </p:sld>
 </file>
 
-<file path=ppt/slides/slide18.xml><?xml version="1.0" encoding="utf-8"?>
+<file path=ppt/slides/slide19.xml><?xml version="1.0" encoding="utf-8"?>
 <p:sld xmlns:a="http://schemas.openxmlformats.org/drawingml/2006/main" xmlns:r="http://schemas.openxmlformats.org/officeDocument/2006/relationships" xmlns:p="http://schemas.openxmlformats.org/presentationml/2006/main">
   <p:cSld>
     <p:spTree>
@@ -15981,7 +16296,123 @@
 </p:sld>
 </file>
 
-<file path=ppt/slides/slide19.xml><?xml version="1.0" encoding="utf-8"?>
+<file path=ppt/slides/slide2.xml><?xml version="1.0" encoding="utf-8"?>
+<p:sld xmlns:a="http://schemas.openxmlformats.org/drawingml/2006/main" xmlns:r="http://schemas.openxmlformats.org/officeDocument/2006/relationships" xmlns:p="http://schemas.openxmlformats.org/presentationml/2006/main">
+  <p:cSld>
+    <p:spTree>
+      <p:nvGrpSpPr>
+        <p:cNvPr id="1" name=""/>
+        <p:cNvGrpSpPr/>
+        <p:nvPr/>
+      </p:nvGrpSpPr>
+      <p:grpSpPr>
+        <a:xfrm>
+          <a:off x="0" y="0"/>
+          <a:ext cx="0" cy="0"/>
+          <a:chOff x="0" y="0"/>
+          <a:chExt cx="0" cy="0"/>
+        </a:xfrm>
+      </p:grpSpPr>
+      <p:sp>
+        <p:nvSpPr>
+          <p:cNvPr id="2" name="标题 1"/>
+          <p:cNvSpPr>
+            <a:spLocks noGrp="1"/>
+          </p:cNvSpPr>
+          <p:nvPr>
+            <p:ph type="ctrTitle"/>
+          </p:nvPr>
+        </p:nvSpPr>
+        <p:spPr>
+          <a:xfrm>
+            <a:off x="685800" y="1597819"/>
+            <a:ext cx="8062664" cy="1102519"/>
+          </a:xfrm>
+        </p:spPr>
+        <p:txBody>
+          <a:bodyPr>
+            <a:normAutofit fontScale="90000"/>
+          </a:bodyPr>
+          <a:lstStyle/>
+          <a:p>
+            <a:r>
+              <a:rPr lang="zh-CN" altLang="en-US" dirty="0" smtClean="0">
+                <a:latin typeface="黑体"/>
+                <a:ea typeface="黑体"/>
+                <a:cs typeface="黑体"/>
+              </a:rPr>
+              <a:t>数据库压缩技术在百度网盘</a:t>
+            </a:r>
+            <a:r>
+              <a:rPr lang="zh-CN" altLang="en-US" dirty="0">
+                <a:latin typeface="黑体"/>
+                <a:ea typeface="黑体"/>
+                <a:cs typeface="黑体"/>
+              </a:rPr>
+              <a:t>的应用</a:t>
+            </a:r>
+          </a:p>
+        </p:txBody>
+      </p:sp>
+      <p:sp>
+        <p:nvSpPr>
+          <p:cNvPr id="3" name="副标题 2"/>
+          <p:cNvSpPr>
+            <a:spLocks noGrp="1"/>
+          </p:cNvSpPr>
+          <p:nvPr>
+            <p:ph type="subTitle" idx="1"/>
+          </p:nvPr>
+        </p:nvSpPr>
+        <p:spPr>
+          <a:xfrm>
+            <a:off x="1371600" y="2914650"/>
+            <a:ext cx="6400800" cy="1314450"/>
+          </a:xfrm>
+        </p:spPr>
+        <p:txBody>
+          <a:bodyPr>
+            <a:normAutofit/>
+          </a:bodyPr>
+          <a:lstStyle/>
+          <a:p>
+            <a:r>
+              <a:rPr lang="zh-CN" altLang="en-US" sz="2800" dirty="0" smtClean="0">
+                <a:latin typeface="黑体"/>
+                <a:ea typeface="黑体"/>
+                <a:cs typeface="黑体"/>
+              </a:rPr>
+              <a:t>百度资深数据库架构师：陈辉 高佳</a:t>
+            </a:r>
+            <a:endParaRPr lang="zh-CN" altLang="en-US" sz="2800" dirty="0">
+              <a:latin typeface="黑体"/>
+              <a:ea typeface="黑体"/>
+              <a:cs typeface="黑体"/>
+            </a:endParaRPr>
+          </a:p>
+        </p:txBody>
+      </p:sp>
+    </p:spTree>
+    <p:extLst>
+      <p:ext uri="{BB962C8B-B14F-4D97-AF65-F5344CB8AC3E}">
+        <p14:creationId xmlns:p14="http://schemas.microsoft.com/office/powerpoint/2010/main" val="1163988311"/>
+      </p:ext>
+    </p:extLst>
+  </p:cSld>
+  <p:clrMapOvr>
+    <a:masterClrMapping/>
+  </p:clrMapOvr>
+  <p:timing>
+    <p:tnLst>
+      <p:par>
+        <p:cTn xmlns:p14="http://schemas.microsoft.com/office/powerpoint/2010/main" id="1" dur="indefinite" restart="never" nodeType="tmRoot"/>
+      </p:par>
+    </p:tnLst>
+  </p:timing>
+</p:sld>
+</file>
+
+<file path=ppt/slides/slide20.xml><?xml version="1.0" encoding="utf-8"?>
 <p:sld xmlns:a="http://schemas.openxmlformats.org/drawingml/2006/main" xmlns:r="http://schemas.openxmlformats.org/officeDocument/2006/relationships" xmlns:p="http://schemas.openxmlformats.org/presentationml/2006/main">
   <p:cSld>
     <p:spTree>
@@ -17617,123 +18048,7 @@
 </p:sld>
 </file>
 
-<file path=ppt/slides/slide2.xml><?xml version="1.0" encoding="utf-8"?>
-<p:sld xmlns:a="http://schemas.openxmlformats.org/drawingml/2006/main" xmlns:r="http://schemas.openxmlformats.org/officeDocument/2006/relationships" xmlns:p="http://schemas.openxmlformats.org/presentationml/2006/main">
-  <p:cSld>
-    <p:spTree>
-      <p:nvGrpSpPr>
-        <p:cNvPr id="1" name=""/>
-        <p:cNvGrpSpPr/>
-        <p:nvPr/>
-      </p:nvGrpSpPr>
-      <p:grpSpPr>
-        <a:xfrm>
-          <a:off x="0" y="0"/>
-          <a:ext cx="0" cy="0"/>
-          <a:chOff x="0" y="0"/>
-          <a:chExt cx="0" cy="0"/>
-        </a:xfrm>
-      </p:grpSpPr>
-      <p:sp>
-        <p:nvSpPr>
-          <p:cNvPr id="2" name="标题 1"/>
-          <p:cNvSpPr>
-            <a:spLocks noGrp="1"/>
-          </p:cNvSpPr>
-          <p:nvPr>
-            <p:ph type="ctrTitle"/>
-          </p:nvPr>
-        </p:nvSpPr>
-        <p:spPr>
-          <a:xfrm>
-            <a:off x="685800" y="1597819"/>
-            <a:ext cx="8062664" cy="1102519"/>
-          </a:xfrm>
-        </p:spPr>
-        <p:txBody>
-          <a:bodyPr>
-            <a:normAutofit fontScale="90000"/>
-          </a:bodyPr>
-          <a:lstStyle/>
-          <a:p>
-            <a:r>
-              <a:rPr lang="zh-CN" altLang="en-US" dirty="0" smtClean="0">
-                <a:latin typeface="黑体"/>
-                <a:ea typeface="黑体"/>
-                <a:cs typeface="黑体"/>
-              </a:rPr>
-              <a:t>数据库压缩技术在百度网盘</a:t>
-            </a:r>
-            <a:r>
-              <a:rPr lang="zh-CN" altLang="en-US" dirty="0">
-                <a:latin typeface="黑体"/>
-                <a:ea typeface="黑体"/>
-                <a:cs typeface="黑体"/>
-              </a:rPr>
-              <a:t>的应用</a:t>
-            </a:r>
-          </a:p>
-        </p:txBody>
-      </p:sp>
-      <p:sp>
-        <p:nvSpPr>
-          <p:cNvPr id="3" name="副标题 2"/>
-          <p:cNvSpPr>
-            <a:spLocks noGrp="1"/>
-          </p:cNvSpPr>
-          <p:nvPr>
-            <p:ph type="subTitle" idx="1"/>
-          </p:nvPr>
-        </p:nvSpPr>
-        <p:spPr>
-          <a:xfrm>
-            <a:off x="1371600" y="2914650"/>
-            <a:ext cx="6400800" cy="1314450"/>
-          </a:xfrm>
-        </p:spPr>
-        <p:txBody>
-          <a:bodyPr>
-            <a:normAutofit/>
-          </a:bodyPr>
-          <a:lstStyle/>
-          <a:p>
-            <a:r>
-              <a:rPr lang="zh-CN" altLang="en-US" sz="2800" dirty="0" smtClean="0">
-                <a:latin typeface="黑体"/>
-                <a:ea typeface="黑体"/>
-                <a:cs typeface="黑体"/>
-              </a:rPr>
-              <a:t>百度资深数据库架构师：陈辉 高佳</a:t>
-            </a:r>
-            <a:endParaRPr lang="zh-CN" altLang="en-US" sz="2800" dirty="0">
-              <a:latin typeface="黑体"/>
-              <a:ea typeface="黑体"/>
-              <a:cs typeface="黑体"/>
-            </a:endParaRPr>
-          </a:p>
-        </p:txBody>
-      </p:sp>
-    </p:spTree>
-    <p:extLst>
-      <p:ext uri="{BB962C8B-B14F-4D97-AF65-F5344CB8AC3E}">
-        <p14:creationId xmlns:p14="http://schemas.microsoft.com/office/powerpoint/2010/main" val="1163988311"/>
-      </p:ext>
-    </p:extLst>
-  </p:cSld>
-  <p:clrMapOvr>
-    <a:masterClrMapping/>
-  </p:clrMapOvr>
-  <p:timing>
-    <p:tnLst>
-      <p:par>
-        <p:cTn xmlns:p14="http://schemas.microsoft.com/office/powerpoint/2010/main" id="1" dur="indefinite" restart="never" nodeType="tmRoot"/>
-      </p:par>
-    </p:tnLst>
-  </p:timing>
-</p:sld>
-</file>
-
-<file path=ppt/slides/slide20.xml><?xml version="1.0" encoding="utf-8"?>
+<file path=ppt/slides/slide21.xml><?xml version="1.0" encoding="utf-8"?>
 <p:sld xmlns:a="http://schemas.openxmlformats.org/drawingml/2006/main" xmlns:r="http://schemas.openxmlformats.org/officeDocument/2006/relationships" xmlns:p="http://schemas.openxmlformats.org/presentationml/2006/main">
   <p:cSld>
     <p:spTree>
@@ -18166,7 +18481,7 @@
 </p:sld>
 </file>
 
-<file path=ppt/slides/slide21.xml><?xml version="1.0" encoding="utf-8"?>
+<file path=ppt/slides/slide22.xml><?xml version="1.0" encoding="utf-8"?>
 <p:sld xmlns:a="http://schemas.openxmlformats.org/drawingml/2006/main" xmlns:r="http://schemas.openxmlformats.org/officeDocument/2006/relationships" xmlns:p="http://schemas.openxmlformats.org/presentationml/2006/main">
   <p:cSld>
     <p:spTree>
@@ -18573,7 +18888,7 @@
 </p:sld>
 </file>
 
-<file path=ppt/slides/slide22.xml><?xml version="1.0" encoding="utf-8"?>
+<file path=ppt/slides/slide23.xml><?xml version="1.0" encoding="utf-8"?>
 <p:sld xmlns:a="http://schemas.openxmlformats.org/drawingml/2006/main" xmlns:r="http://schemas.openxmlformats.org/officeDocument/2006/relationships" xmlns:p="http://schemas.openxmlformats.org/presentationml/2006/main">
   <p:cSld>
     <p:spTree>
@@ -19177,7 +19492,7 @@
 </p:sld>
 </file>
 
-<file path=ppt/slides/slide23.xml><?xml version="1.0" encoding="utf-8"?>
+<file path=ppt/slides/slide24.xml><?xml version="1.0" encoding="utf-8"?>
 <p:sld xmlns:a="http://schemas.openxmlformats.org/drawingml/2006/main" xmlns:r="http://schemas.openxmlformats.org/officeDocument/2006/relationships" xmlns:p="http://schemas.openxmlformats.org/presentationml/2006/main">
   <p:cSld>
     <p:spTree>
@@ -20579,7 +20894,7 @@
 </p:sld>
 </file>
 
-<file path=ppt/slides/slide24.xml><?xml version="1.0" encoding="utf-8"?>
+<file path=ppt/slides/slide25.xml><?xml version="1.0" encoding="utf-8"?>
 <p:sld xmlns:a="http://schemas.openxmlformats.org/drawingml/2006/main" xmlns:r="http://schemas.openxmlformats.org/officeDocument/2006/relationships" xmlns:p="http://schemas.openxmlformats.org/presentationml/2006/main">
   <p:cSld>
     <p:spTree>
@@ -21300,7 +21615,7 @@
 </p:sld>
 </file>
 
-<file path=ppt/slides/slide25.xml><?xml version="1.0" encoding="utf-8"?>
+<file path=ppt/slides/slide26.xml><?xml version="1.0" encoding="utf-8"?>
 <p:sld xmlns:a="http://schemas.openxmlformats.org/drawingml/2006/main" xmlns:r="http://schemas.openxmlformats.org/officeDocument/2006/relationships" xmlns:p="http://schemas.openxmlformats.org/presentationml/2006/main">
   <p:cSld>
     <p:spTree>
@@ -23855,7 +24170,7 @@
 </p:sld>
 </file>
 
-<file path=ppt/slides/slide26.xml><?xml version="1.0" encoding="utf-8"?>
+<file path=ppt/slides/slide27.xml><?xml version="1.0" encoding="utf-8"?>
 <p:sld xmlns:a="http://schemas.openxmlformats.org/drawingml/2006/main" xmlns:r="http://schemas.openxmlformats.org/officeDocument/2006/relationships" xmlns:p="http://schemas.openxmlformats.org/presentationml/2006/main">
   <p:cSld>
     <p:spTree>
@@ -29627,7 +29942,7 @@
         <p:spPr>
           <a:xfrm>
             <a:off x="467544" y="1362995"/>
-            <a:ext cx="7032694" cy="2262158"/>
+            <a:ext cx="6801862" cy="2616101"/>
           </a:xfrm>
           <a:prstGeom prst="rect">
             <a:avLst/>
@@ -29750,8 +30065,102 @@
                 <a:ea typeface="黑体"/>
                 <a:cs typeface="黑体"/>
               </a:rPr>
-              <a:t>：压缩后读性能没有提升。</a:t>
-            </a:r>
+              <a:t>：压缩后读性能没有提升</a:t>
+            </a:r>
+            <a:r>
+              <a:rPr kumimoji="1" lang="zh-CN" altLang="en-US" dirty="0" smtClean="0">
+                <a:latin typeface="黑体"/>
+                <a:ea typeface="黑体"/>
+                <a:cs typeface="黑体"/>
+              </a:rPr>
+              <a:t>。</a:t>
+            </a:r>
+          </a:p>
+          <a:p>
+            <a:pPr marL="742950" lvl="1" indent="-285750">
+              <a:spcBef>
+                <a:spcPts val="600"/>
+              </a:spcBef>
+              <a:buFont typeface="Arial"/>
+              <a:buChar char="•"/>
+            </a:pPr>
+            <a:r>
+              <a:rPr lang="zh-CN" altLang="zh-CN" sz="1400" dirty="0">
+                <a:latin typeface="黑体"/>
+                <a:ea typeface="黑体"/>
+                <a:cs typeface="黑体"/>
+              </a:rPr>
+              <a:t>在</a:t>
+            </a:r>
+            <a:r>
+              <a:rPr lang="en-US" altLang="zh-CN" sz="1400" dirty="0" err="1">
+                <a:latin typeface="黑体"/>
+                <a:ea typeface="黑体"/>
+                <a:cs typeface="黑体"/>
+              </a:rPr>
+              <a:t>ssd</a:t>
+            </a:r>
+            <a:r>
+              <a:rPr lang="zh-CN" altLang="zh-CN" sz="1400" dirty="0">
+                <a:latin typeface="黑体"/>
+                <a:ea typeface="黑体"/>
+                <a:cs typeface="黑体"/>
+              </a:rPr>
+              <a:t>上，</a:t>
+            </a:r>
+            <a:r>
+              <a:rPr lang="en-US" altLang="zh-CN" sz="1400" dirty="0" err="1">
+                <a:latin typeface="黑体"/>
+                <a:ea typeface="黑体"/>
+                <a:cs typeface="黑体"/>
+              </a:rPr>
+              <a:t>zlib</a:t>
+            </a:r>
+            <a:r>
+              <a:rPr lang="zh-CN" altLang="zh-CN" sz="1400" dirty="0">
+                <a:latin typeface="黑体"/>
+                <a:ea typeface="黑体"/>
+                <a:cs typeface="黑体"/>
+              </a:rPr>
+              <a:t>的解压吞吐和</a:t>
+            </a:r>
+            <a:r>
+              <a:rPr lang="en-US" altLang="zh-CN" sz="1400" dirty="0" err="1">
+                <a:latin typeface="黑体"/>
+                <a:ea typeface="黑体"/>
+                <a:cs typeface="黑体"/>
+              </a:rPr>
+              <a:t>ssd</a:t>
+            </a:r>
+            <a:r>
+              <a:rPr lang="zh-CN" altLang="zh-CN" sz="1400" dirty="0">
+                <a:latin typeface="黑体"/>
+                <a:ea typeface="黑体"/>
+                <a:cs typeface="黑体"/>
+              </a:rPr>
+              <a:t>的读取吞吐差</a:t>
+            </a:r>
+            <a:r>
+              <a:rPr lang="zh-CN" altLang="zh-CN" sz="1400" dirty="0" smtClean="0">
+                <a:latin typeface="黑体"/>
+                <a:ea typeface="黑体"/>
+                <a:cs typeface="黑体"/>
+              </a:rPr>
+              <a:t>不多</a:t>
+            </a:r>
+            <a:r>
+              <a:rPr lang="zh-CN" altLang="zh-CN" sz="1400" dirty="0">
+                <a:latin typeface="黑体"/>
+                <a:ea typeface="黑体"/>
+                <a:cs typeface="黑体"/>
+              </a:rPr>
+              <a:t>。</a:t>
+            </a:r>
+            <a:endParaRPr kumimoji="1" lang="zh-CN" altLang="en-US" sz="1400" dirty="0" smtClean="0">
+              <a:latin typeface="黑体"/>
+              <a:ea typeface="黑体"/>
+              <a:cs typeface="黑体"/>
+            </a:endParaRPr>
           </a:p>
           <a:p>
             <a:pPr marL="285750" indent="-285750">
@@ -29818,12 +30227,12 @@
         <p:spPr>
           <a:xfrm>
             <a:off x="1979712" y="-13692"/>
-            <a:ext cx="4320480" cy="857250"/>
+            <a:ext cx="4968552" cy="857250"/>
           </a:xfrm>
         </p:spPr>
         <p:txBody>
           <a:bodyPr>
-            <a:normAutofit/>
+            <a:normAutofit fontScale="90000"/>
           </a:bodyPr>
           <a:lstStyle/>
           <a:p>
@@ -29833,7 +30242,31 @@
                 <a:ea typeface="黑体"/>
                 <a:cs typeface="黑体"/>
               </a:rPr>
-              <a:t>问题：写性能差</a:t>
+              <a:t>写性能差</a:t>
+            </a:r>
+            <a:r>
+              <a:rPr kumimoji="1" lang="zh-CN" altLang="en-US" sz="3600" dirty="0" smtClean="0">
+                <a:latin typeface="黑体"/>
+                <a:ea typeface="黑体"/>
+                <a:cs typeface="黑体"/>
+              </a:rPr>
+              <a:t>原因</a:t>
+            </a:r>
+            <a:r>
+              <a:rPr kumimoji="1" lang="en-US" altLang="zh-CN" sz="3600" dirty="0" smtClean="0">
+                <a:latin typeface="黑体"/>
+                <a:ea typeface="黑体"/>
+                <a:cs typeface="黑体"/>
+              </a:rPr>
+              <a:t>1</a:t>
+            </a:r>
+            <a:r>
+              <a:rPr kumimoji="1" lang="zh-CN" altLang="en-US" sz="3600" dirty="0" smtClean="0">
+                <a:latin typeface="黑体"/>
+                <a:ea typeface="黑体"/>
+                <a:cs typeface="黑体"/>
+              </a:rPr>
+              <a:t>：同步压缩</a:t>
             </a:r>
             <a:endParaRPr kumimoji="1" lang="zh-CN" altLang="en-US" sz="3600" dirty="0">
               <a:latin typeface="黑体"/>
@@ -30172,13 +30605,13 @@
         </p:nvSpPr>
         <p:spPr>
           <a:xfrm>
-            <a:off x="971600" y="-20538"/>
+            <a:off x="1907704" y="-20538"/>
             <a:ext cx="6192688" cy="857250"/>
           </a:xfrm>
         </p:spPr>
         <p:txBody>
           <a:bodyPr>
-            <a:normAutofit/>
+            <a:normAutofit fontScale="90000"/>
           </a:bodyPr>
           <a:lstStyle/>
           <a:p>
@@ -30188,7 +30621,31 @@
                 <a:ea typeface="黑体"/>
                 <a:cs typeface="黑体"/>
               </a:rPr>
-              <a:t>问题：写性能差</a:t>
+              <a:t>写性能差</a:t>
+            </a:r>
+            <a:r>
+              <a:rPr kumimoji="1" lang="zh-CN" altLang="en-US" sz="3600" dirty="0" smtClean="0">
+                <a:latin typeface="黑体"/>
+                <a:ea typeface="黑体"/>
+                <a:cs typeface="黑体"/>
+              </a:rPr>
+              <a:t>原因</a:t>
+            </a:r>
+            <a:r>
+              <a:rPr kumimoji="1" lang="en-US" altLang="zh-CN" sz="3600" dirty="0" smtClean="0">
+                <a:latin typeface="黑体"/>
+                <a:ea typeface="黑体"/>
+                <a:cs typeface="黑体"/>
+              </a:rPr>
+              <a:t>2</a:t>
+            </a:r>
+            <a:r>
+              <a:rPr kumimoji="1" lang="zh-CN" altLang="en-US" sz="3600" dirty="0" smtClean="0">
+                <a:latin typeface="黑体"/>
+                <a:ea typeface="黑体"/>
+                <a:cs typeface="黑体"/>
+              </a:rPr>
+              <a:t>：压缩失败页分裂</a:t>
             </a:r>
             <a:endParaRPr kumimoji="1" lang="zh-CN" altLang="en-US" sz="3600" dirty="0">
               <a:latin typeface="黑体"/>
@@ -30206,8 +30663,8 @@
         </p:nvSpPr>
         <p:spPr>
           <a:xfrm>
-            <a:off x="407972" y="1158172"/>
-            <a:ext cx="2146742" cy="646331"/>
+            <a:off x="323528" y="843558"/>
+            <a:ext cx="2808312" cy="646331"/>
           </a:xfrm>
           <a:prstGeom prst="rect">
             <a:avLst/>
@@ -30215,35 +30672,11 @@
           <a:noFill/>
         </p:spPr>
         <p:txBody>
-          <a:bodyPr wrap="none" rtlCol="0">
+          <a:bodyPr wrap="square" rtlCol="0">
             <a:spAutoFit/>
           </a:bodyPr>
           <a:lstStyle/>
           <a:p>
-            <a:r>
-              <a:rPr lang="zh-CN" altLang="en-US" dirty="0">
-                <a:latin typeface="黑体"/>
-                <a:ea typeface="黑体"/>
-                <a:cs typeface="黑体"/>
-              </a:rPr>
-              <a:t>原因</a:t>
-            </a:r>
-            <a:r>
-              <a:rPr lang="en-US" altLang="zh-CN" dirty="0">
-                <a:latin typeface="黑体"/>
-                <a:ea typeface="黑体"/>
-                <a:cs typeface="黑体"/>
-              </a:rPr>
-              <a:t>2</a:t>
-            </a:r>
-            <a:r>
-              <a:rPr lang="zh-CN" altLang="en-US" dirty="0">
-                <a:latin typeface="黑体"/>
-                <a:ea typeface="黑体"/>
-                <a:cs typeface="黑体"/>
-              </a:rPr>
-              <a:t>：压缩失败。</a:t>
-            </a:r>
             <a:endParaRPr lang="en-US" altLang="zh-CN" dirty="0">
               <a:latin typeface="黑体"/>
               <a:ea typeface="黑体"/>
@@ -30255,43 +30688,9 @@
           </a:p>
         </p:txBody>
       </p:sp>
-      <p:sp>
-        <p:nvSpPr>
-          <p:cNvPr id="5" name="文本框 4"/>
-          <p:cNvSpPr txBox="1"/>
-          <p:nvPr/>
-        </p:nvSpPr>
-        <p:spPr>
-          <a:xfrm>
-            <a:off x="420914" y="2643758"/>
-            <a:ext cx="2262158" cy="369332"/>
-          </a:xfrm>
-          <a:prstGeom prst="rect">
-            <a:avLst/>
-          </a:prstGeom>
-          <a:noFill/>
-        </p:spPr>
-        <p:txBody>
-          <a:bodyPr wrap="none" rtlCol="0">
-            <a:spAutoFit/>
-          </a:bodyPr>
-          <a:lstStyle/>
-          <a:p>
-            <a:r>
-              <a:rPr lang="zh-CN" altLang="en-US" dirty="0">
-                <a:latin typeface="黑体"/>
-                <a:ea typeface="黑体"/>
-                <a:cs typeface="黑体"/>
-              </a:rPr>
-              <a:t>解决方案：提前分裂</a:t>
-            </a:r>
-            <a:endParaRPr kumimoji="1" lang="zh-CN" altLang="en-US" dirty="0"/>
-          </a:p>
-        </p:txBody>
-      </p:sp>
       <p:pic>
         <p:nvPicPr>
-          <p:cNvPr id="6" name="图片 5"/>
+          <p:cNvPr id="8" name="图片 7"/>
           <p:cNvPicPr>
             <a:picLocks noChangeAspect="1"/>
           </p:cNvPicPr>
@@ -30305,32 +30704,8 @@
         </p:blipFill>
         <p:spPr>
           <a:xfrm>
-            <a:off x="2654300" y="2808639"/>
-            <a:ext cx="4870028" cy="1995359"/>
-          </a:xfrm>
-          <a:prstGeom prst="rect">
-            <a:avLst/>
-          </a:prstGeom>
-        </p:spPr>
-      </p:pic>
-      <p:pic>
-        <p:nvPicPr>
-          <p:cNvPr id="3" name="图片 2"/>
-          <p:cNvPicPr>
-            <a:picLocks noChangeAspect="1"/>
-          </p:cNvPicPr>
-          <p:nvPr/>
-        </p:nvPicPr>
-        <p:blipFill>
-          <a:blip r:embed="rId4"/>
-          <a:stretch>
-            <a:fillRect/>
-          </a:stretch>
-        </p:blipFill>
-        <p:spPr>
-          <a:xfrm>
-            <a:off x="2654300" y="771549"/>
-            <a:ext cx="5086052" cy="1987265"/>
+            <a:off x="433090" y="843557"/>
+            <a:ext cx="8387382" cy="3753633"/>
           </a:xfrm>
           <a:prstGeom prst="rect">
             <a:avLst/>

--- a/database/MySQL/DTCC2019/DTCC2019_V0.14.pptx
+++ b/database/MySQL/DTCC2019/DTCC2019_V0.14.pptx
@@ -10317,30 +10317,6 @@
           </a:p>
         </p:txBody>
       </p:sp>
-      <p:pic>
-        <p:nvPicPr>
-          <p:cNvPr id="5" name="图片 4"/>
-          <p:cNvPicPr>
-            <a:picLocks noChangeAspect="1"/>
-          </p:cNvPicPr>
-          <p:nvPr/>
-        </p:nvPicPr>
-        <p:blipFill>
-          <a:blip r:embed="rId2"/>
-          <a:stretch>
-            <a:fillRect/>
-          </a:stretch>
-        </p:blipFill>
-        <p:spPr>
-          <a:xfrm>
-            <a:off x="179512" y="1707654"/>
-            <a:ext cx="3841497" cy="2476500"/>
-          </a:xfrm>
-          <a:prstGeom prst="rect">
-            <a:avLst/>
-          </a:prstGeom>
-        </p:spPr>
-      </p:pic>
       <p:sp>
         <p:nvSpPr>
           <p:cNvPr id="13" name="右箭头 12"/>
@@ -10381,7 +10357,31 @@
       </p:sp>
       <p:pic>
         <p:nvPicPr>
-          <p:cNvPr id="16" name="图片 15"/>
+          <p:cNvPr id="7" name="图片 6"/>
+          <p:cNvPicPr>
+            <a:picLocks noChangeAspect="1"/>
+          </p:cNvPicPr>
+          <p:nvPr/>
+        </p:nvPicPr>
+        <p:blipFill>
+          <a:blip r:embed="rId2"/>
+          <a:stretch>
+            <a:fillRect/>
+          </a:stretch>
+        </p:blipFill>
+        <p:spPr>
+          <a:xfrm>
+            <a:off x="4368800" y="1347614"/>
+            <a:ext cx="4379664" cy="3168352"/>
+          </a:xfrm>
+          <a:prstGeom prst="rect">
+            <a:avLst/>
+          </a:prstGeom>
+        </p:spPr>
+      </p:pic>
+      <p:pic>
+        <p:nvPicPr>
+          <p:cNvPr id="8" name="图片 7"/>
           <p:cNvPicPr>
             <a:picLocks noChangeAspect="1"/>
           </p:cNvPicPr>
@@ -10395,8 +10395,8 @@
         </p:blipFill>
         <p:spPr>
           <a:xfrm>
-            <a:off x="4572000" y="1729893"/>
-            <a:ext cx="4445000" cy="2438400"/>
+            <a:off x="431799" y="1638840"/>
+            <a:ext cx="3683079" cy="2877126"/>
           </a:xfrm>
           <a:prstGeom prst="rect">
             <a:avLst/>

--- a/database/MySQL/DTCC2019/DTCC2019_V0.14.pptx
+++ b/database/MySQL/DTCC2019/DTCC2019_V0.14.pptx
@@ -135,7 +135,7 @@
   </p:defaultTextStyle>
   <p:extLst>
     <p:ext uri="{EFAFB233-063F-42B5-8137-9DF3F51BA10A}">
-      <p15:sldGuideLst xmlns="" xmlns:p15="http://schemas.microsoft.com/office/powerpoint/2012/main">
+      <p15:sldGuideLst xmlns:p15="http://schemas.microsoft.com/office/powerpoint/2012/main" xmlns="">
         <p15:guide id="1" orient="horz" pos="1620">
           <p15:clr>
             <a:srgbClr val="A4A3A4"/>
@@ -5824,15 +5824,7 @@
                 <a:ea typeface="黑体"/>
                 <a:cs typeface="黑体"/>
               </a:rPr>
-              <a:t>增加异步线</a:t>
-            </a:r>
-            <a:r>
-              <a:rPr lang="zh-CN" altLang="en-US" dirty="0" smtClean="0">
-                <a:latin typeface="黑体"/>
-                <a:ea typeface="黑体"/>
-                <a:cs typeface="黑体"/>
-              </a:rPr>
-              <a:t>程在后台进行压缩</a:t>
+              <a:t>增加异步线程在后台进行压缩</a:t>
             </a:r>
             <a:endParaRPr lang="en-US" altLang="zh-CN" dirty="0" smtClean="0">
               <a:latin typeface="黑体"/>
@@ -7876,7 +7868,7 @@
           <p:cNvPr id="2" name="Title 1">
             <a:extLst>
               <a:ext uri="{FF2B5EF4-FFF2-40B4-BE49-F238E27FC236}">
-                <a16:creationId xmlns="" xmlns:a16="http://schemas.microsoft.com/office/drawing/2014/main" id="{FCBE26C3-BAF9-4E44-8EE3-544142789B36}"/>
+                <a16:creationId xmlns:a16="http://schemas.microsoft.com/office/drawing/2014/main" xmlns="" id="{FCBE26C3-BAF9-4E44-8EE3-544142789B36}"/>
               </a:ext>
             </a:extLst>
           </p:cNvPr>
@@ -7904,7 +7896,7 @@
           <p:cNvPr id="3" name="Date Placeholder 2">
             <a:extLst>
               <a:ext uri="{FF2B5EF4-FFF2-40B4-BE49-F238E27FC236}">
-                <a16:creationId xmlns="" xmlns:a16="http://schemas.microsoft.com/office/drawing/2014/main" id="{62FFCB5E-7F05-F140-9D46-DE2FFA1E0184}"/>
+                <a16:creationId xmlns:a16="http://schemas.microsoft.com/office/drawing/2014/main" xmlns="" id="{62FFCB5E-7F05-F140-9D46-DE2FFA1E0184}"/>
               </a:ext>
             </a:extLst>
           </p:cNvPr>
@@ -7933,7 +7925,7 @@
           <p:cNvPr id="4" name="Footer Placeholder 3">
             <a:extLst>
               <a:ext uri="{FF2B5EF4-FFF2-40B4-BE49-F238E27FC236}">
-                <a16:creationId xmlns="" xmlns:a16="http://schemas.microsoft.com/office/drawing/2014/main" id="{DE00FACC-DC5D-D941-B07B-D171360459F6}"/>
+                <a16:creationId xmlns:a16="http://schemas.microsoft.com/office/drawing/2014/main" xmlns="" id="{DE00FACC-DC5D-D941-B07B-D171360459F6}"/>
               </a:ext>
             </a:extLst>
           </p:cNvPr>
@@ -7958,7 +7950,7 @@
           <p:cNvPr id="5" name="Slide Number Placeholder 4">
             <a:extLst>
               <a:ext uri="{FF2B5EF4-FFF2-40B4-BE49-F238E27FC236}">
-                <a16:creationId xmlns="" xmlns:a16="http://schemas.microsoft.com/office/drawing/2014/main" id="{F7CA7269-4430-C44D-84E9-C8BDB63F978F}"/>
+                <a16:creationId xmlns:a16="http://schemas.microsoft.com/office/drawing/2014/main" xmlns="" id="{F7CA7269-4430-C44D-84E9-C8BDB63F978F}"/>
               </a:ext>
             </a:extLst>
           </p:cNvPr>
@@ -7987,7 +7979,7 @@
           <p:cNvPr id="8" name="Picture 7">
             <a:extLst>
               <a:ext uri="{FF2B5EF4-FFF2-40B4-BE49-F238E27FC236}">
-                <a16:creationId xmlns="" xmlns:a16="http://schemas.microsoft.com/office/drawing/2014/main" id="{16104A28-1441-AE4C-9016-247481D965F7}"/>
+                <a16:creationId xmlns:a16="http://schemas.microsoft.com/office/drawing/2014/main" xmlns="" id="{16104A28-1441-AE4C-9016-247481D965F7}"/>
               </a:ext>
             </a:extLst>
           </p:cNvPr>
@@ -8263,7 +8255,7 @@
           <p:cNvPr id="10" name="Picture 9">
             <a:extLst>
               <a:ext uri="{FF2B5EF4-FFF2-40B4-BE49-F238E27FC236}">
-                <a16:creationId xmlns="" xmlns:a16="http://schemas.microsoft.com/office/drawing/2014/main" id="{02EADE89-2B53-D14B-A245-66F13308E305}"/>
+                <a16:creationId xmlns:a16="http://schemas.microsoft.com/office/drawing/2014/main" xmlns="" id="{02EADE89-2B53-D14B-A245-66F13308E305}"/>
               </a:ext>
             </a:extLst>
           </p:cNvPr>
@@ -8389,7 +8381,7 @@
           <p:cNvPr id="9" name="Picture 8">
             <a:extLst>
               <a:ext uri="{FF2B5EF4-FFF2-40B4-BE49-F238E27FC236}">
-                <a16:creationId xmlns="" xmlns:a16="http://schemas.microsoft.com/office/drawing/2014/main" id="{23D6FE84-8A3A-1D45-9087-ABAABC113C49}"/>
+                <a16:creationId xmlns:a16="http://schemas.microsoft.com/office/drawing/2014/main" xmlns="" id="{23D6FE84-8A3A-1D45-9087-ABAABC113C49}"/>
               </a:ext>
             </a:extLst>
           </p:cNvPr>
@@ -8450,7 +8442,7 @@
           <p:cNvPr id="2" name="Title 1">
             <a:extLst>
               <a:ext uri="{FF2B5EF4-FFF2-40B4-BE49-F238E27FC236}">
-                <a16:creationId xmlns="" xmlns:a16="http://schemas.microsoft.com/office/drawing/2014/main" id="{98F702B5-97DF-1747-9261-267AFC8A0B89}"/>
+                <a16:creationId xmlns:a16="http://schemas.microsoft.com/office/drawing/2014/main" xmlns="" id="{98F702B5-97DF-1747-9261-267AFC8A0B89}"/>
               </a:ext>
             </a:extLst>
           </p:cNvPr>
@@ -8478,7 +8470,7 @@
           <p:cNvPr id="4" name="Picture 3">
             <a:extLst>
               <a:ext uri="{FF2B5EF4-FFF2-40B4-BE49-F238E27FC236}">
-                <a16:creationId xmlns="" xmlns:a16="http://schemas.microsoft.com/office/drawing/2014/main" id="{183B6B97-2D86-354E-8C87-5AC56DC87F2A}"/>
+                <a16:creationId xmlns:a16="http://schemas.microsoft.com/office/drawing/2014/main" xmlns="" id="{183B6B97-2D86-354E-8C87-5AC56DC87F2A}"/>
               </a:ext>
             </a:extLst>
           </p:cNvPr>
@@ -8766,7 +8758,7 @@
           <p:cNvPr id="9" name="Picture 8">
             <a:extLst>
               <a:ext uri="{FF2B5EF4-FFF2-40B4-BE49-F238E27FC236}">
-                <a16:creationId xmlns="" xmlns:a16="http://schemas.microsoft.com/office/drawing/2014/main" id="{F7F370BF-C70D-1E48-B99B-D92715EC6893}"/>
+                <a16:creationId xmlns:a16="http://schemas.microsoft.com/office/drawing/2014/main" xmlns="" id="{F7F370BF-C70D-1E48-B99B-D92715EC6893}"/>
               </a:ext>
             </a:extLst>
           </p:cNvPr>
@@ -9384,15 +9376,7 @@
                 <a:ea typeface="黑体"/>
                 <a:cs typeface="黑体"/>
               </a:rPr>
-              <a:t>解决方案：提前</a:t>
-            </a:r>
-            <a:r>
-              <a:rPr kumimoji="1" lang="zh-CN" altLang="en-US" sz="3600" dirty="0" smtClean="0">
-                <a:latin typeface="黑体"/>
-                <a:ea typeface="黑体"/>
-                <a:cs typeface="黑体"/>
-              </a:rPr>
-              <a:t>分裂</a:t>
+              <a:t>解决方案：提前分裂</a:t>
             </a:r>
             <a:endParaRPr kumimoji="1" lang="zh-CN" altLang="en-US" sz="3600" dirty="0">
               <a:latin typeface="黑体"/>
@@ -9404,7 +9388,7 @@
       </p:sp>
       <p:pic>
         <p:nvPicPr>
-          <p:cNvPr id="3" name="图片 2"/>
+          <p:cNvPr id="5" name="图片 4"/>
           <p:cNvPicPr>
             <a:picLocks noChangeAspect="1"/>
           </p:cNvPicPr>
@@ -9418,8 +9402,8 @@
         </p:blipFill>
         <p:spPr>
           <a:xfrm>
-            <a:off x="395535" y="836712"/>
-            <a:ext cx="8280921" cy="3823270"/>
+            <a:off x="179512" y="836712"/>
+            <a:ext cx="8424936" cy="3828962"/>
           </a:xfrm>
           <a:prstGeom prst="rect">
             <a:avLst/>
@@ -30065,15 +30049,7 @@
                 <a:ea typeface="黑体"/>
                 <a:cs typeface="黑体"/>
               </a:rPr>
-              <a:t>：压缩后读性能没有提升</a:t>
-            </a:r>
-            <a:r>
-              <a:rPr kumimoji="1" lang="zh-CN" altLang="en-US" dirty="0" smtClean="0">
-                <a:latin typeface="黑体"/>
-                <a:ea typeface="黑体"/>
-                <a:cs typeface="黑体"/>
-              </a:rPr>
-              <a:t>。</a:t>
+              <a:t>：压缩后读性能没有提升。</a:t>
             </a:r>
           </a:p>
           <a:p>
@@ -30242,15 +30218,7 @@
                 <a:ea typeface="黑体"/>
                 <a:cs typeface="黑体"/>
               </a:rPr>
-              <a:t>写性能差</a:t>
-            </a:r>
-            <a:r>
-              <a:rPr kumimoji="1" lang="zh-CN" altLang="en-US" sz="3600" dirty="0" smtClean="0">
-                <a:latin typeface="黑体"/>
-                <a:ea typeface="黑体"/>
-                <a:cs typeface="黑体"/>
-              </a:rPr>
-              <a:t>原因</a:t>
+              <a:t>写性能差原因</a:t>
             </a:r>
             <a:r>
               <a:rPr kumimoji="1" lang="en-US" altLang="zh-CN" sz="3600" dirty="0" smtClean="0">
@@ -30621,15 +30589,7 @@
                 <a:ea typeface="黑体"/>
                 <a:cs typeface="黑体"/>
               </a:rPr>
-              <a:t>写性能差</a:t>
-            </a:r>
-            <a:r>
-              <a:rPr kumimoji="1" lang="zh-CN" altLang="en-US" sz="3600" dirty="0" smtClean="0">
-                <a:latin typeface="黑体"/>
-                <a:ea typeface="黑体"/>
-                <a:cs typeface="黑体"/>
-              </a:rPr>
-              <a:t>原因</a:t>
+              <a:t>写性能差原因</a:t>
             </a:r>
             <a:r>
               <a:rPr kumimoji="1" lang="en-US" altLang="zh-CN" sz="3600" dirty="0" smtClean="0">
@@ -30690,7 +30650,7 @@
       </p:sp>
       <p:pic>
         <p:nvPicPr>
-          <p:cNvPr id="8" name="图片 7"/>
+          <p:cNvPr id="3" name="图片 2"/>
           <p:cNvPicPr>
             <a:picLocks noChangeAspect="1"/>
           </p:cNvPicPr>
@@ -30704,8 +30664,8 @@
         </p:blipFill>
         <p:spPr>
           <a:xfrm>
-            <a:off x="433090" y="843557"/>
-            <a:ext cx="8387382" cy="3753633"/>
+            <a:off x="179512" y="833472"/>
+            <a:ext cx="8568953" cy="3754501"/>
           </a:xfrm>
           <a:prstGeom prst="rect">
             <a:avLst/>
